--- a/130410PDXDUG.pptx
+++ b/130410PDXDUG.pptx
@@ -4,11 +4,14 @@
   <p:sldMasterIdLst>
     <p:sldMasterId id="2147483660" r:id="rId1"/>
   </p:sldMasterIdLst>
+  <p:notesMasterIdLst>
+    <p:notesMasterId r:id="rId29"/>
+  </p:notesMasterIdLst>
   <p:sldIdLst>
     <p:sldId id="256" r:id="rId2"/>
     <p:sldId id="352" r:id="rId3"/>
-    <p:sldId id="264" r:id="rId4"/>
-    <p:sldId id="333" r:id="rId5"/>
+    <p:sldId id="333" r:id="rId4"/>
+    <p:sldId id="264" r:id="rId5"/>
     <p:sldId id="334" r:id="rId6"/>
     <p:sldId id="263" r:id="rId7"/>
     <p:sldId id="336" r:id="rId8"/>
@@ -31,9 +34,7 @@
     <p:sldId id="348" r:id="rId25"/>
     <p:sldId id="349" r:id="rId26"/>
     <p:sldId id="350" r:id="rId27"/>
-    <p:sldId id="331" r:id="rId28"/>
-    <p:sldId id="332" r:id="rId29"/>
-    <p:sldId id="351" r:id="rId30"/>
+    <p:sldId id="351" r:id="rId28"/>
   </p:sldIdLst>
   <p:sldSz cx="9144000" cy="6858000" type="screen4x3"/>
   <p:notesSz cx="6858000" cy="9144000"/>
@@ -135,6 +136,646 @@
 </p:presentation>
 </file>
 
+<file path=ppt/notesMasters/notesMaster1.xml><?xml version="1.0" encoding="utf-8"?>
+<p:notesMaster xmlns:a="http://schemas.openxmlformats.org/drawingml/2006/main" xmlns:r="http://schemas.openxmlformats.org/officeDocument/2006/relationships" xmlns:mc="http://schemas.openxmlformats.org/markup-compatibility/2006" xmlns:mv="urn:schemas-microsoft-com:mac:vml" xmlns:p="http://schemas.openxmlformats.org/presentationml/2006/main" mc:Ignorable="mv" mc:PreserveAttributes="mv:*">
+  <p:cSld>
+    <p:bg>
+      <p:bgRef idx="1001">
+        <a:schemeClr val="bg1"/>
+      </p:bgRef>
+    </p:bg>
+    <p:spTree>
+      <p:nvGrpSpPr>
+        <p:cNvPr id="1" name=""/>
+        <p:cNvGrpSpPr/>
+        <p:nvPr/>
+      </p:nvGrpSpPr>
+      <p:grpSpPr>
+        <a:xfrm>
+          <a:off x="0" y="0"/>
+          <a:ext cx="0" cy="0"/>
+          <a:chOff x="0" y="0"/>
+          <a:chExt cx="0" cy="0"/>
+        </a:xfrm>
+      </p:grpSpPr>
+      <p:sp>
+        <p:nvSpPr>
+          <p:cNvPr id="2" name="Header Placeholder 1"/>
+          <p:cNvSpPr>
+            <a:spLocks noGrp="1"/>
+          </p:cNvSpPr>
+          <p:nvPr>
+            <p:ph type="hdr" sz="quarter"/>
+          </p:nvPr>
+        </p:nvSpPr>
+        <p:spPr>
+          <a:xfrm>
+            <a:off x="0" y="0"/>
+            <a:ext cx="2971800" cy="457200"/>
+          </a:xfrm>
+          <a:prstGeom prst="rect">
+            <a:avLst/>
+          </a:prstGeom>
+        </p:spPr>
+        <p:txBody>
+          <a:bodyPr vert="horz" lIns="91440" tIns="45720" rIns="91440" bIns="45720" rtlCol="0"/>
+          <a:lstStyle>
+            <a:lvl1pPr algn="l">
+              <a:defRPr sz="1200"/>
+            </a:lvl1pPr>
+          </a:lstStyle>
+          <a:p>
+            <a:endParaRPr lang="en-US"/>
+          </a:p>
+        </p:txBody>
+      </p:sp>
+      <p:sp>
+        <p:nvSpPr>
+          <p:cNvPr id="3" name="Date Placeholder 2"/>
+          <p:cNvSpPr>
+            <a:spLocks noGrp="1"/>
+          </p:cNvSpPr>
+          <p:nvPr>
+            <p:ph type="dt" idx="1"/>
+          </p:nvPr>
+        </p:nvSpPr>
+        <p:spPr>
+          <a:xfrm>
+            <a:off x="3884613" y="0"/>
+            <a:ext cx="2971800" cy="457200"/>
+          </a:xfrm>
+          <a:prstGeom prst="rect">
+            <a:avLst/>
+          </a:prstGeom>
+        </p:spPr>
+        <p:txBody>
+          <a:bodyPr vert="horz" lIns="91440" tIns="45720" rIns="91440" bIns="45720" rtlCol="0"/>
+          <a:lstStyle>
+            <a:lvl1pPr algn="r">
+              <a:defRPr sz="1200"/>
+            </a:lvl1pPr>
+          </a:lstStyle>
+          <a:p>
+            <a:fld id="{41FD9ED2-3D74-2547-8C90-2CA6B1D9E6A2}" type="datetimeFigureOut">
+              <a:rPr lang="en-US" smtClean="0"/>
+              <a:pPr/>
+              <a:t>4/11/13</a:t>
+            </a:fld>
+            <a:endParaRPr lang="en-US"/>
+          </a:p>
+        </p:txBody>
+      </p:sp>
+      <p:sp>
+        <p:nvSpPr>
+          <p:cNvPr id="4" name="Slide Image Placeholder 3"/>
+          <p:cNvSpPr>
+            <a:spLocks noGrp="1" noRot="1" noChangeAspect="1"/>
+          </p:cNvSpPr>
+          <p:nvPr>
+            <p:ph type="sldImg" idx="2"/>
+          </p:nvPr>
+        </p:nvSpPr>
+        <p:spPr>
+          <a:xfrm>
+            <a:off x="1143000" y="685800"/>
+            <a:ext cx="4572000" cy="3429000"/>
+          </a:xfrm>
+          <a:prstGeom prst="rect">
+            <a:avLst/>
+          </a:prstGeom>
+          <a:noFill/>
+          <a:ln w="12700">
+            <a:solidFill>
+              <a:prstClr val="black"/>
+            </a:solidFill>
+          </a:ln>
+        </p:spPr>
+        <p:txBody>
+          <a:bodyPr vert="horz" lIns="91440" tIns="45720" rIns="91440" bIns="45720" rtlCol="0" anchor="ctr"/>
+          <a:lstStyle/>
+          <a:p>
+            <a:endParaRPr lang="en-US"/>
+          </a:p>
+        </p:txBody>
+      </p:sp>
+      <p:sp>
+        <p:nvSpPr>
+          <p:cNvPr id="5" name="Notes Placeholder 4"/>
+          <p:cNvSpPr>
+            <a:spLocks noGrp="1"/>
+          </p:cNvSpPr>
+          <p:nvPr>
+            <p:ph type="body" sz="quarter" idx="3"/>
+          </p:nvPr>
+        </p:nvSpPr>
+        <p:spPr>
+          <a:xfrm>
+            <a:off x="685800" y="4343400"/>
+            <a:ext cx="5486400" cy="4114800"/>
+          </a:xfrm>
+          <a:prstGeom prst="rect">
+            <a:avLst/>
+          </a:prstGeom>
+        </p:spPr>
+        <p:txBody>
+          <a:bodyPr vert="horz" lIns="91440" tIns="45720" rIns="91440" bIns="45720" rtlCol="0">
+            <a:normAutofit/>
+          </a:bodyPr>
+          <a:lstStyle/>
+          <a:p>
+            <a:pPr lvl="0"/>
+            <a:r>
+              <a:rPr lang="en-US" smtClean="0"/>
+              <a:t>Click to edit Master text styles</a:t>
+            </a:r>
+          </a:p>
+          <a:p>
+            <a:pPr lvl="1"/>
+            <a:r>
+              <a:rPr lang="en-US" smtClean="0"/>
+              <a:t>Second level</a:t>
+            </a:r>
+          </a:p>
+          <a:p>
+            <a:pPr lvl="2"/>
+            <a:r>
+              <a:rPr lang="en-US" smtClean="0"/>
+              <a:t>Third level</a:t>
+            </a:r>
+          </a:p>
+          <a:p>
+            <a:pPr lvl="3"/>
+            <a:r>
+              <a:rPr lang="en-US" smtClean="0"/>
+              <a:t>Fourth level</a:t>
+            </a:r>
+          </a:p>
+          <a:p>
+            <a:pPr lvl="4"/>
+            <a:r>
+              <a:rPr lang="en-US" smtClean="0"/>
+              <a:t>Fifth level</a:t>
+            </a:r>
+            <a:endParaRPr lang="en-US"/>
+          </a:p>
+        </p:txBody>
+      </p:sp>
+      <p:sp>
+        <p:nvSpPr>
+          <p:cNvPr id="6" name="Footer Placeholder 5"/>
+          <p:cNvSpPr>
+            <a:spLocks noGrp="1"/>
+          </p:cNvSpPr>
+          <p:nvPr>
+            <p:ph type="ftr" sz="quarter" idx="4"/>
+          </p:nvPr>
+        </p:nvSpPr>
+        <p:spPr>
+          <a:xfrm>
+            <a:off x="0" y="8685213"/>
+            <a:ext cx="2971800" cy="457200"/>
+          </a:xfrm>
+          <a:prstGeom prst="rect">
+            <a:avLst/>
+          </a:prstGeom>
+        </p:spPr>
+        <p:txBody>
+          <a:bodyPr vert="horz" lIns="91440" tIns="45720" rIns="91440" bIns="45720" rtlCol="0" anchor="b"/>
+          <a:lstStyle>
+            <a:lvl1pPr algn="l">
+              <a:defRPr sz="1200"/>
+            </a:lvl1pPr>
+          </a:lstStyle>
+          <a:p>
+            <a:endParaRPr lang="en-US"/>
+          </a:p>
+        </p:txBody>
+      </p:sp>
+      <p:sp>
+        <p:nvSpPr>
+          <p:cNvPr id="7" name="Slide Number Placeholder 6"/>
+          <p:cNvSpPr>
+            <a:spLocks noGrp="1"/>
+          </p:cNvSpPr>
+          <p:nvPr>
+            <p:ph type="sldNum" sz="quarter" idx="5"/>
+          </p:nvPr>
+        </p:nvSpPr>
+        <p:spPr>
+          <a:xfrm>
+            <a:off x="3884613" y="8685213"/>
+            <a:ext cx="2971800" cy="457200"/>
+          </a:xfrm>
+          <a:prstGeom prst="rect">
+            <a:avLst/>
+          </a:prstGeom>
+        </p:spPr>
+        <p:txBody>
+          <a:bodyPr vert="horz" lIns="91440" tIns="45720" rIns="91440" bIns="45720" rtlCol="0" anchor="b"/>
+          <a:lstStyle>
+            <a:lvl1pPr algn="r">
+              <a:defRPr sz="1200"/>
+            </a:lvl1pPr>
+          </a:lstStyle>
+          <a:p>
+            <a:fld id="{E61C6A83-150A-9643-B3FC-8A84A444D82C}" type="slidenum">
+              <a:rPr lang="en-US" smtClean="0"/>
+              <a:pPr/>
+              <a:t>‹#›</a:t>
+            </a:fld>
+            <a:endParaRPr lang="en-US"/>
+          </a:p>
+        </p:txBody>
+      </p:sp>
+    </p:spTree>
+  </p:cSld>
+  <p:clrMap bg1="lt1" tx1="dk1" bg2="lt2" tx2="dk2" accent1="accent1" accent2="accent2" accent3="accent3" accent4="accent4" accent5="accent5" accent6="accent6" hlink="hlink" folHlink="folHlink"/>
+  <p:notesStyle>
+    <a:lvl1pPr marL="0" algn="l" defTabSz="457200" rtl="0" eaLnBrk="1" latinLnBrk="0" hangingPunct="1">
+      <a:defRPr sz="1200" kern="1200">
+        <a:solidFill>
+          <a:schemeClr val="tx1"/>
+        </a:solidFill>
+        <a:latin typeface="+mn-lt"/>
+        <a:ea typeface="+mn-ea"/>
+        <a:cs typeface="+mn-cs"/>
+      </a:defRPr>
+    </a:lvl1pPr>
+    <a:lvl2pPr marL="457200" algn="l" defTabSz="457200" rtl="0" eaLnBrk="1" latinLnBrk="0" hangingPunct="1">
+      <a:defRPr sz="1200" kern="1200">
+        <a:solidFill>
+          <a:schemeClr val="tx1"/>
+        </a:solidFill>
+        <a:latin typeface="+mn-lt"/>
+        <a:ea typeface="+mn-ea"/>
+        <a:cs typeface="+mn-cs"/>
+      </a:defRPr>
+    </a:lvl2pPr>
+    <a:lvl3pPr marL="914400" algn="l" defTabSz="457200" rtl="0" eaLnBrk="1" latinLnBrk="0" hangingPunct="1">
+      <a:defRPr sz="1200" kern="1200">
+        <a:solidFill>
+          <a:schemeClr val="tx1"/>
+        </a:solidFill>
+        <a:latin typeface="+mn-lt"/>
+        <a:ea typeface="+mn-ea"/>
+        <a:cs typeface="+mn-cs"/>
+      </a:defRPr>
+    </a:lvl3pPr>
+    <a:lvl4pPr marL="1371600" algn="l" defTabSz="457200" rtl="0" eaLnBrk="1" latinLnBrk="0" hangingPunct="1">
+      <a:defRPr sz="1200" kern="1200">
+        <a:solidFill>
+          <a:schemeClr val="tx1"/>
+        </a:solidFill>
+        <a:latin typeface="+mn-lt"/>
+        <a:ea typeface="+mn-ea"/>
+        <a:cs typeface="+mn-cs"/>
+      </a:defRPr>
+    </a:lvl4pPr>
+    <a:lvl5pPr marL="1828800" algn="l" defTabSz="457200" rtl="0" eaLnBrk="1" latinLnBrk="0" hangingPunct="1">
+      <a:defRPr sz="1200" kern="1200">
+        <a:solidFill>
+          <a:schemeClr val="tx1"/>
+        </a:solidFill>
+        <a:latin typeface="+mn-lt"/>
+        <a:ea typeface="+mn-ea"/>
+        <a:cs typeface="+mn-cs"/>
+      </a:defRPr>
+    </a:lvl5pPr>
+    <a:lvl6pPr marL="2286000" algn="l" defTabSz="457200" rtl="0" eaLnBrk="1" latinLnBrk="0" hangingPunct="1">
+      <a:defRPr sz="1200" kern="1200">
+        <a:solidFill>
+          <a:schemeClr val="tx1"/>
+        </a:solidFill>
+        <a:latin typeface="+mn-lt"/>
+        <a:ea typeface="+mn-ea"/>
+        <a:cs typeface="+mn-cs"/>
+      </a:defRPr>
+    </a:lvl6pPr>
+    <a:lvl7pPr marL="2743200" algn="l" defTabSz="457200" rtl="0" eaLnBrk="1" latinLnBrk="0" hangingPunct="1">
+      <a:defRPr sz="1200" kern="1200">
+        <a:solidFill>
+          <a:schemeClr val="tx1"/>
+        </a:solidFill>
+        <a:latin typeface="+mn-lt"/>
+        <a:ea typeface="+mn-ea"/>
+        <a:cs typeface="+mn-cs"/>
+      </a:defRPr>
+    </a:lvl7pPr>
+    <a:lvl8pPr marL="3200400" algn="l" defTabSz="457200" rtl="0" eaLnBrk="1" latinLnBrk="0" hangingPunct="1">
+      <a:defRPr sz="1200" kern="1200">
+        <a:solidFill>
+          <a:schemeClr val="tx1"/>
+        </a:solidFill>
+        <a:latin typeface="+mn-lt"/>
+        <a:ea typeface="+mn-ea"/>
+        <a:cs typeface="+mn-cs"/>
+      </a:defRPr>
+    </a:lvl8pPr>
+    <a:lvl9pPr marL="3657600" algn="l" defTabSz="457200" rtl="0" eaLnBrk="1" latinLnBrk="0" hangingPunct="1">
+      <a:defRPr sz="1200" kern="1200">
+        <a:solidFill>
+          <a:schemeClr val="tx1"/>
+        </a:solidFill>
+        <a:latin typeface="+mn-lt"/>
+        <a:ea typeface="+mn-ea"/>
+        <a:cs typeface="+mn-cs"/>
+      </a:defRPr>
+    </a:lvl9pPr>
+  </p:notesStyle>
+</p:notesMaster>
+</file>
+
+<file path=ppt/notesSlides/notesSlide1.xml><?xml version="1.0" encoding="utf-8"?>
+<p:notes xmlns:a="http://schemas.openxmlformats.org/drawingml/2006/main" xmlns:r="http://schemas.openxmlformats.org/officeDocument/2006/relationships" xmlns:mc="http://schemas.openxmlformats.org/markup-compatibility/2006" xmlns:mv="urn:schemas-microsoft-com:mac:vml" xmlns:p="http://schemas.openxmlformats.org/presentationml/2006/main" mc:Ignorable="mv" mc:PreserveAttributes="mv:*">
+  <p:cSld>
+    <p:spTree>
+      <p:nvGrpSpPr>
+        <p:cNvPr id="1" name=""/>
+        <p:cNvGrpSpPr/>
+        <p:nvPr/>
+      </p:nvGrpSpPr>
+      <p:grpSpPr>
+        <a:xfrm>
+          <a:off x="0" y="0"/>
+          <a:ext cx="0" cy="0"/>
+          <a:chOff x="0" y="0"/>
+          <a:chExt cx="0" cy="0"/>
+        </a:xfrm>
+      </p:grpSpPr>
+      <p:sp>
+        <p:nvSpPr>
+          <p:cNvPr id="2" name="Slide Image Placeholder 1"/>
+          <p:cNvSpPr>
+            <a:spLocks noGrp="1" noRot="1" noChangeAspect="1"/>
+          </p:cNvSpPr>
+          <p:nvPr>
+            <p:ph type="sldImg"/>
+          </p:nvPr>
+        </p:nvSpPr>
+        <p:spPr/>
+      </p:sp>
+      <p:sp>
+        <p:nvSpPr>
+          <p:cNvPr id="3" name="Notes Placeholder 2"/>
+          <p:cNvSpPr>
+            <a:spLocks noGrp="1"/>
+          </p:cNvSpPr>
+          <p:nvPr>
+            <p:ph type="body" idx="1"/>
+          </p:nvPr>
+        </p:nvSpPr>
+        <p:spPr/>
+        <p:txBody>
+          <a:bodyPr>
+            <a:normAutofit/>
+          </a:bodyPr>
+          <a:lstStyle/>
+          <a:p>
+            <a:r>
+              <a:rPr lang="en-US" sz="1200" b="1" kern="1200" dirty="0" smtClean="0">
+                <a:solidFill>
+                  <a:schemeClr val="tx1"/>
+                </a:solidFill>
+                <a:latin typeface="+mn-lt"/>
+                <a:ea typeface="+mn-ea"/>
+                <a:cs typeface="+mn-cs"/>
+              </a:rPr>
+              <a:t>Use case:</a:t>
+            </a:r>
+            <a:r>
+              <a:rPr lang="en-US" sz="1200" b="1" kern="1200" baseline="0" dirty="0" smtClean="0">
+                <a:solidFill>
+                  <a:schemeClr val="tx1"/>
+                </a:solidFill>
+                <a:latin typeface="+mn-lt"/>
+                <a:ea typeface="+mn-ea"/>
+                <a:cs typeface="+mn-cs"/>
+              </a:rPr>
+              <a:t> </a:t>
+            </a:r>
+            <a:r>
+              <a:rPr lang="en-US" sz="1200" b="1" kern="1200" dirty="0" smtClean="0">
+                <a:solidFill>
+                  <a:schemeClr val="tx1"/>
+                </a:solidFill>
+                <a:latin typeface="+mn-lt"/>
+                <a:ea typeface="+mn-ea"/>
+                <a:cs typeface="+mn-cs"/>
+              </a:rPr>
+              <a:t>When you want to give content creators the ability to stylize their content while staying within style-guide boundaries.</a:t>
+            </a:r>
+            <a:endParaRPr lang="en-US" dirty="0"/>
+          </a:p>
+        </p:txBody>
+      </p:sp>
+      <p:sp>
+        <p:nvSpPr>
+          <p:cNvPr id="4" name="Slide Number Placeholder 3"/>
+          <p:cNvSpPr>
+            <a:spLocks noGrp="1"/>
+          </p:cNvSpPr>
+          <p:nvPr>
+            <p:ph type="sldNum" sz="quarter" idx="10"/>
+          </p:nvPr>
+        </p:nvSpPr>
+        <p:spPr/>
+        <p:txBody>
+          <a:bodyPr/>
+          <a:lstStyle/>
+          <a:p>
+            <a:fld id="{E61C6A83-150A-9643-B3FC-8A84A444D82C}" type="slidenum">
+              <a:rPr lang="en-US" smtClean="0"/>
+              <a:pPr/>
+              <a:t>2</a:t>
+            </a:fld>
+            <a:endParaRPr lang="en-US"/>
+          </a:p>
+        </p:txBody>
+      </p:sp>
+    </p:spTree>
+  </p:cSld>
+  <p:clrMapOvr>
+    <a:masterClrMapping/>
+  </p:clrMapOvr>
+</p:notes>
+</file>
+
+<file path=ppt/notesSlides/notesSlide2.xml><?xml version="1.0" encoding="utf-8"?>
+<p:notes xmlns:a="http://schemas.openxmlformats.org/drawingml/2006/main" xmlns:r="http://schemas.openxmlformats.org/officeDocument/2006/relationships" xmlns:mc="http://schemas.openxmlformats.org/markup-compatibility/2006" xmlns:mv="urn:schemas-microsoft-com:mac:vml" xmlns:p="http://schemas.openxmlformats.org/presentationml/2006/main" mc:Ignorable="mv" mc:PreserveAttributes="mv:*">
+  <p:cSld>
+    <p:spTree>
+      <p:nvGrpSpPr>
+        <p:cNvPr id="1" name=""/>
+        <p:cNvGrpSpPr/>
+        <p:nvPr/>
+      </p:nvGrpSpPr>
+      <p:grpSpPr>
+        <a:xfrm>
+          <a:off x="0" y="0"/>
+          <a:ext cx="0" cy="0"/>
+          <a:chOff x="0" y="0"/>
+          <a:chExt cx="0" cy="0"/>
+        </a:xfrm>
+      </p:grpSpPr>
+      <p:sp>
+        <p:nvSpPr>
+          <p:cNvPr id="2" name="Slide Image Placeholder 1"/>
+          <p:cNvSpPr>
+            <a:spLocks noGrp="1" noRot="1" noChangeAspect="1"/>
+          </p:cNvSpPr>
+          <p:nvPr>
+            <p:ph type="sldImg"/>
+          </p:nvPr>
+        </p:nvSpPr>
+        <p:spPr/>
+      </p:sp>
+      <p:sp>
+        <p:nvSpPr>
+          <p:cNvPr id="3" name="Notes Placeholder 2"/>
+          <p:cNvSpPr>
+            <a:spLocks noGrp="1"/>
+          </p:cNvSpPr>
+          <p:nvPr>
+            <p:ph type="body" idx="1"/>
+          </p:nvPr>
+        </p:nvSpPr>
+        <p:spPr/>
+        <p:txBody>
+          <a:bodyPr>
+            <a:normAutofit/>
+          </a:bodyPr>
+          <a:lstStyle/>
+          <a:p>
+            <a:r>
+              <a:rPr lang="en-US" dirty="0" smtClean="0"/>
+              <a:t>See if you can</a:t>
+            </a:r>
+            <a:r>
+              <a:rPr lang="en-US" baseline="0" dirty="0" smtClean="0"/>
+              <a:t> spot some reusable styles. This is often distinct from element or functional styles, like accordions.</a:t>
+            </a:r>
+            <a:endParaRPr lang="en-US" dirty="0"/>
+          </a:p>
+        </p:txBody>
+      </p:sp>
+      <p:sp>
+        <p:nvSpPr>
+          <p:cNvPr id="4" name="Slide Number Placeholder 3"/>
+          <p:cNvSpPr>
+            <a:spLocks noGrp="1"/>
+          </p:cNvSpPr>
+          <p:nvPr>
+            <p:ph type="sldNum" sz="quarter" idx="10"/>
+          </p:nvPr>
+        </p:nvSpPr>
+        <p:spPr/>
+        <p:txBody>
+          <a:bodyPr/>
+          <a:lstStyle/>
+          <a:p>
+            <a:fld id="{E61C6A83-150A-9643-B3FC-8A84A444D82C}" type="slidenum">
+              <a:rPr lang="en-US" smtClean="0"/>
+              <a:pPr/>
+              <a:t>6</a:t>
+            </a:fld>
+            <a:endParaRPr lang="en-US"/>
+          </a:p>
+        </p:txBody>
+      </p:sp>
+    </p:spTree>
+  </p:cSld>
+  <p:clrMapOvr>
+    <a:masterClrMapping/>
+  </p:clrMapOvr>
+</p:notes>
+</file>
+
+<file path=ppt/notesSlides/notesSlide3.xml><?xml version="1.0" encoding="utf-8"?>
+<p:notes xmlns:a="http://schemas.openxmlformats.org/drawingml/2006/main" xmlns:r="http://schemas.openxmlformats.org/officeDocument/2006/relationships" xmlns:mc="http://schemas.openxmlformats.org/markup-compatibility/2006" xmlns:mv="urn:schemas-microsoft-com:mac:vml" xmlns:p="http://schemas.openxmlformats.org/presentationml/2006/main" mc:Ignorable="mv" mc:PreserveAttributes="mv:*">
+  <p:cSld>
+    <p:spTree>
+      <p:nvGrpSpPr>
+        <p:cNvPr id="1" name=""/>
+        <p:cNvGrpSpPr/>
+        <p:nvPr/>
+      </p:nvGrpSpPr>
+      <p:grpSpPr>
+        <a:xfrm>
+          <a:off x="0" y="0"/>
+          <a:ext cx="0" cy="0"/>
+          <a:chOff x="0" y="0"/>
+          <a:chExt cx="0" cy="0"/>
+        </a:xfrm>
+      </p:grpSpPr>
+      <p:sp>
+        <p:nvSpPr>
+          <p:cNvPr id="2" name="Slide Image Placeholder 1"/>
+          <p:cNvSpPr>
+            <a:spLocks noGrp="1" noRot="1" noChangeAspect="1"/>
+          </p:cNvSpPr>
+          <p:nvPr>
+            <p:ph type="sldImg"/>
+          </p:nvPr>
+        </p:nvSpPr>
+        <p:spPr/>
+      </p:sp>
+      <p:sp>
+        <p:nvSpPr>
+          <p:cNvPr id="3" name="Notes Placeholder 2"/>
+          <p:cNvSpPr>
+            <a:spLocks noGrp="1"/>
+          </p:cNvSpPr>
+          <p:nvPr>
+            <p:ph type="body" idx="1"/>
+          </p:nvPr>
+        </p:nvSpPr>
+        <p:spPr/>
+        <p:txBody>
+          <a:bodyPr>
+            <a:normAutofit/>
+          </a:bodyPr>
+          <a:lstStyle/>
+          <a:p>
+            <a:r>
+              <a:rPr lang="en-US" dirty="0" smtClean="0"/>
+              <a:t>My lists from this project</a:t>
+            </a:r>
+            <a:endParaRPr lang="en-US" dirty="0"/>
+          </a:p>
+        </p:txBody>
+      </p:sp>
+      <p:sp>
+        <p:nvSpPr>
+          <p:cNvPr id="4" name="Slide Number Placeholder 3"/>
+          <p:cNvSpPr>
+            <a:spLocks noGrp="1"/>
+          </p:cNvSpPr>
+          <p:nvPr>
+            <p:ph type="sldNum" sz="quarter" idx="10"/>
+          </p:nvPr>
+        </p:nvSpPr>
+        <p:spPr/>
+        <p:txBody>
+          <a:bodyPr/>
+          <a:lstStyle/>
+          <a:p>
+            <a:fld id="{E61C6A83-150A-9643-B3FC-8A84A444D82C}" type="slidenum">
+              <a:rPr lang="en-US" smtClean="0"/>
+              <a:pPr/>
+              <a:t>14</a:t>
+            </a:fld>
+            <a:endParaRPr lang="en-US"/>
+          </a:p>
+        </p:txBody>
+      </p:sp>
+    </p:spTree>
+  </p:cSld>
+  <p:clrMapOvr>
+    <a:masterClrMapping/>
+  </p:clrMapOvr>
+</p:notes>
+</file>
+
 <file path=ppt/slideLayouts/slideLayout1.xml><?xml version="1.0" encoding="utf-8"?>
 <p:sldLayout xmlns:a="http://schemas.openxmlformats.org/drawingml/2006/main" xmlns:r="http://schemas.openxmlformats.org/officeDocument/2006/relationships" xmlns:mc="http://schemas.openxmlformats.org/markup-compatibility/2006" xmlns:mv="urn:schemas-microsoft-com:mac:vml" xmlns:p="http://schemas.openxmlformats.org/presentationml/2006/main" mc:Ignorable="mv" mc:PreserveAttributes="mv:*" type="title" preserve="1">
   <p:cSld name="Title Slide">
@@ -317,7 +958,7 @@
             <a:fld id="{E2F41D57-2AEF-FC43-9741-FD8290CD5A2C}" type="datetimeFigureOut">
               <a:rPr lang="en-US" smtClean="0"/>
               <a:pPr/>
-              <a:t>4/9/13</a:t>
+              <a:t>4/11/13</a:t>
             </a:fld>
             <a:endParaRPr lang="en-US"/>
           </a:p>
@@ -484,7 +1125,7 @@
             <a:fld id="{E2F41D57-2AEF-FC43-9741-FD8290CD5A2C}" type="datetimeFigureOut">
               <a:rPr lang="en-US" smtClean="0"/>
               <a:pPr/>
-              <a:t>4/9/13</a:t>
+              <a:t>4/11/13</a:t>
             </a:fld>
             <a:endParaRPr lang="en-US"/>
           </a:p>
@@ -661,7 +1302,7 @@
             <a:fld id="{E2F41D57-2AEF-FC43-9741-FD8290CD5A2C}" type="datetimeFigureOut">
               <a:rPr lang="en-US" smtClean="0"/>
               <a:pPr/>
-              <a:t>4/9/13</a:t>
+              <a:t>4/11/13</a:t>
             </a:fld>
             <a:endParaRPr lang="en-US"/>
           </a:p>
@@ -828,7 +1469,7 @@
             <a:fld id="{E2F41D57-2AEF-FC43-9741-FD8290CD5A2C}" type="datetimeFigureOut">
               <a:rPr lang="en-US" smtClean="0"/>
               <a:pPr/>
-              <a:t>4/9/13</a:t>
+              <a:t>4/11/13</a:t>
             </a:fld>
             <a:endParaRPr lang="en-US"/>
           </a:p>
@@ -1071,7 +1712,7 @@
             <a:fld id="{E2F41D57-2AEF-FC43-9741-FD8290CD5A2C}" type="datetimeFigureOut">
               <a:rPr lang="en-US" smtClean="0"/>
               <a:pPr/>
-              <a:t>4/9/13</a:t>
+              <a:t>4/11/13</a:t>
             </a:fld>
             <a:endParaRPr lang="en-US"/>
           </a:p>
@@ -1356,7 +1997,7 @@
             <a:fld id="{E2F41D57-2AEF-FC43-9741-FD8290CD5A2C}" type="datetimeFigureOut">
               <a:rPr lang="en-US" smtClean="0"/>
               <a:pPr/>
-              <a:t>4/9/13</a:t>
+              <a:t>4/11/13</a:t>
             </a:fld>
             <a:endParaRPr lang="en-US"/>
           </a:p>
@@ -1775,7 +2416,7 @@
             <a:fld id="{E2F41D57-2AEF-FC43-9741-FD8290CD5A2C}" type="datetimeFigureOut">
               <a:rPr lang="en-US" smtClean="0"/>
               <a:pPr/>
-              <a:t>4/9/13</a:t>
+              <a:t>4/11/13</a:t>
             </a:fld>
             <a:endParaRPr lang="en-US"/>
           </a:p>
@@ -1890,7 +2531,7 @@
             <a:fld id="{E2F41D57-2AEF-FC43-9741-FD8290CD5A2C}" type="datetimeFigureOut">
               <a:rPr lang="en-US" smtClean="0"/>
               <a:pPr/>
-              <a:t>4/9/13</a:t>
+              <a:t>4/11/13</a:t>
             </a:fld>
             <a:endParaRPr lang="en-US"/>
           </a:p>
@@ -1982,7 +2623,7 @@
             <a:fld id="{E2F41D57-2AEF-FC43-9741-FD8290CD5A2C}" type="datetimeFigureOut">
               <a:rPr lang="en-US" smtClean="0"/>
               <a:pPr/>
-              <a:t>4/9/13</a:t>
+              <a:t>4/11/13</a:t>
             </a:fld>
             <a:endParaRPr lang="en-US"/>
           </a:p>
@@ -2256,7 +2897,7 @@
             <a:fld id="{E2F41D57-2AEF-FC43-9741-FD8290CD5A2C}" type="datetimeFigureOut">
               <a:rPr lang="en-US" smtClean="0"/>
               <a:pPr/>
-              <a:t>4/9/13</a:t>
+              <a:t>4/11/13</a:t>
             </a:fld>
             <a:endParaRPr lang="en-US"/>
           </a:p>
@@ -2506,7 +3147,7 @@
             <a:fld id="{E2F41D57-2AEF-FC43-9741-FD8290CD5A2C}" type="datetimeFigureOut">
               <a:rPr lang="en-US" smtClean="0"/>
               <a:pPr/>
-              <a:t>4/9/13</a:t>
+              <a:t>4/11/13</a:t>
             </a:fld>
             <a:endParaRPr lang="en-US"/>
           </a:p>
@@ -2736,7 +3377,7 @@
             <a:fld id="{E2F41D57-2AEF-FC43-9741-FD8290CD5A2C}" type="datetimeFigureOut">
               <a:rPr lang="en-US" smtClean="0"/>
               <a:pPr/>
-              <a:t>4/9/13</a:t>
+              <a:t>4/11/13</a:t>
             </a:fld>
             <a:endParaRPr lang="en-US"/>
           </a:p>
@@ -3142,41 +3783,21 @@
             </a:br>
             <a:r>
               <a:rPr lang="en-US" sz="5400" b="1" dirty="0" smtClean="0"/>
-              <a:t>+ </a:t>
-            </a:r>
-            <a:r>
-              <a:rPr lang="en-US" sz="5400" b="1" dirty="0" smtClean="0"/>
-              <a:t>reusable styles</a:t>
-            </a:r>
-            <a:r>
-              <a:rPr lang="en-US" sz="5400" b="1" dirty="0" smtClean="0"/>
-              <a:t> </a:t>
+              <a:t>+ reusable styles </a:t>
             </a:r>
             <a:br>
               <a:rPr lang="en-US" sz="5400" b="1" dirty="0" smtClean="0"/>
             </a:br>
             <a:r>
               <a:rPr lang="en-US" sz="5400" b="1" dirty="0" smtClean="0"/>
-              <a:t>= </a:t>
-            </a:r>
-            <a:r>
-              <a:rPr lang="en-US" sz="5400" b="1" dirty="0" smtClean="0"/>
-              <a:t>User-</a:t>
-            </a:r>
-            <a:r>
-              <a:rPr lang="en-US" sz="5400" b="1" dirty="0" smtClean="0"/>
-              <a:t>friendly rich </a:t>
+              <a:t>= User-friendly rich </a:t>
             </a:r>
             <a:br>
               <a:rPr lang="en-US" sz="5400" b="1" dirty="0" smtClean="0"/>
             </a:br>
             <a:r>
               <a:rPr lang="en-US" sz="5400" b="1" dirty="0" smtClean="0"/>
-              <a:t>text </a:t>
-            </a:r>
-            <a:r>
-              <a:rPr lang="en-US" sz="5400" b="1" dirty="0" smtClean="0"/>
-              <a:t>styling</a:t>
+              <a:t>text styling</a:t>
             </a:r>
             <a:endParaRPr lang="en-US" sz="5400" dirty="0"/>
           </a:p>
@@ -3210,15 +3831,7 @@
                   <a:schemeClr val="tx1"/>
                 </a:solidFill>
               </a:rPr>
-              <a:t>PDX DUG</a:t>
-            </a:r>
-            <a:r>
-              <a:rPr lang="en-US" sz="1800" i="1" dirty="0" smtClean="0">
-                <a:solidFill>
-                  <a:schemeClr val="tx1"/>
-                </a:solidFill>
-              </a:rPr>
-              <a:t> </a:t>
+              <a:t>PDX DUG </a:t>
             </a:r>
             <a:r>
               <a:rPr lang="en-US" sz="1800" i="1" dirty="0" err="1" smtClean="0">
@@ -3234,23 +3847,7 @@
                   <a:schemeClr val="tx1"/>
                 </a:solidFill>
               </a:rPr>
-              <a:t>  </a:t>
-            </a:r>
-            <a:r>
-              <a:rPr lang="en-US" sz="1800" i="1" dirty="0" smtClean="0">
-                <a:solidFill>
-                  <a:schemeClr val="tx1"/>
-                </a:solidFill>
-              </a:rPr>
-              <a:t>April 10, </a:t>
-            </a:r>
-            <a:r>
-              <a:rPr lang="en-US" sz="1800" i="1" dirty="0" smtClean="0">
-                <a:solidFill>
-                  <a:schemeClr val="tx1"/>
-                </a:solidFill>
-              </a:rPr>
-              <a:t>2013</a:t>
+              <a:t>  April 10, 2013</a:t>
             </a:r>
             <a:endParaRPr lang="en-US" sz="1800" i="1" dirty="0">
               <a:solidFill>
@@ -3463,11 +4060,7 @@
             </a:pPr>
             <a:r>
               <a:rPr lang="en-US" sz="2800" dirty="0" smtClean="0"/>
-              <a:t>Look </a:t>
-            </a:r>
-            <a:r>
-              <a:rPr lang="en-US" sz="2800" dirty="0" smtClean="0"/>
-              <a:t>at the style tiles and/or mockups and </a:t>
+              <a:t>Look at the style tiles and/or mockups and </a:t>
             </a:r>
             <a:r>
               <a:rPr lang="en-US" sz="2800" b="1" u="sng" dirty="0" smtClean="0"/>
@@ -3475,11 +4068,7 @@
             </a:r>
             <a:r>
               <a:rPr lang="en-US" sz="2800" dirty="0" smtClean="0"/>
-              <a:t>. Talk with the designer and client if anything is unclear, or if you think there might need to be more than what is defined in the </a:t>
-            </a:r>
-            <a:r>
-              <a:rPr lang="en-US" sz="2800" dirty="0" smtClean="0"/>
-              <a:t>designs. Or if something is impractical.</a:t>
+              <a:t>. Talk with the designer and client if anything is unclear, or if you think there might need to be more than what is defined in the designs. Or if something is impractical.</a:t>
             </a:r>
           </a:p>
           <a:p>
@@ -3496,15 +4085,7 @@
             </a:pPr>
             <a:r>
               <a:rPr lang="en-US" sz="2800" dirty="0" smtClean="0"/>
-              <a:t>Try </a:t>
-            </a:r>
-            <a:r>
-              <a:rPr lang="en-US" sz="2800" dirty="0" smtClean="0"/>
-              <a:t>to think of all the likely (or possible) ways each style could be used, then boil them down into</a:t>
-            </a:r>
-            <a:r>
-              <a:rPr lang="en-US" sz="2800" dirty="0" smtClean="0"/>
-              <a:t> the most </a:t>
+              <a:t>Try to think of all the likely (or possible) ways each style could be used, then boil them down into the most </a:t>
             </a:r>
             <a:r>
               <a:rPr lang="en-US" sz="2800" b="1" u="sng" dirty="0" smtClean="0"/>
@@ -3512,11 +4093,7 @@
             </a:r>
             <a:r>
               <a:rPr lang="en-US" sz="2800" dirty="0" smtClean="0"/>
-              <a:t>possible</a:t>
-            </a:r>
-            <a:r>
-              <a:rPr lang="en-US" sz="2800" dirty="0" smtClean="0"/>
-              <a:t>. If a style looks too complex and shares similar aspects with others, see if the similarities can be broken out into their own pieces, which can be included in the others. Buttons, for example.</a:t>
+              <a:t>possible. If a style looks too complex and shares similar aspects with others, see if the similarities can be broken out into their own pieces, which can be included in the others. Buttons, for example.</a:t>
             </a:r>
             <a:endParaRPr lang="en-US" sz="2800" dirty="0">
               <a:solidFill>
@@ -3670,11 +4247,7 @@
             </a:r>
             <a:r>
               <a:rPr lang="en-US" sz="2800" b="1" dirty="0" smtClean="0"/>
-              <a:t> styles</a:t>
-            </a:r>
-            <a:r>
-              <a:rPr lang="en-US" sz="2800" b="1" dirty="0" smtClean="0"/>
-              <a:t>:</a:t>
+              <a:t> styles:</a:t>
             </a:r>
           </a:p>
           <a:p>
@@ -3690,113 +4263,49 @@
           <a:p>
             <a:r>
               <a:rPr lang="en-US" sz="2800" dirty="0" smtClean="0"/>
-              <a:t>- </a:t>
-            </a:r>
-            <a:r>
-              <a:rPr lang="en-US" sz="2800" dirty="0" smtClean="0"/>
-              <a:t>Secondary </a:t>
-            </a:r>
-            <a:r>
-              <a:rPr lang="en-US" sz="2800" dirty="0" smtClean="0"/>
-              <a:t>button</a:t>
-            </a:r>
-          </a:p>
-          <a:p>
-            <a:r>
-              <a:rPr lang="en-US" sz="2800" dirty="0" smtClean="0"/>
-              <a:t>- </a:t>
-            </a:r>
-            <a:r>
-              <a:rPr lang="en-US" sz="2800" dirty="0" smtClean="0"/>
-              <a:t>Tertiary </a:t>
-            </a:r>
-            <a:r>
-              <a:rPr lang="en-US" sz="2800" dirty="0" smtClean="0"/>
-              <a:t>button</a:t>
-            </a:r>
-          </a:p>
-          <a:p>
-            <a:r>
-              <a:rPr lang="en-US" sz="2800" dirty="0" smtClean="0"/>
-              <a:t>- </a:t>
-            </a:r>
-            <a:r>
-              <a:rPr lang="en-US" sz="2800" dirty="0" smtClean="0"/>
-              <a:t>Bonus </a:t>
-            </a:r>
-            <a:r>
-              <a:rPr lang="en-US" sz="2800" dirty="0" smtClean="0"/>
-              <a:t>button</a:t>
-            </a:r>
-          </a:p>
-          <a:p>
-            <a:r>
-              <a:rPr lang="en-US" sz="2800" dirty="0" smtClean="0"/>
-              <a:t>- </a:t>
-            </a:r>
-            <a:r>
-              <a:rPr lang="en-US" sz="2800" dirty="0" smtClean="0"/>
-              <a:t>Drop </a:t>
-            </a:r>
-            <a:r>
-              <a:rPr lang="en-US" sz="2800" dirty="0" smtClean="0"/>
-              <a:t>caps</a:t>
-            </a:r>
-          </a:p>
-          <a:p>
-            <a:r>
-              <a:rPr lang="en-US" sz="2800" dirty="0" smtClean="0"/>
-              <a:t>- </a:t>
-            </a:r>
-            <a:r>
-              <a:rPr lang="en-US" sz="2800" dirty="0" smtClean="0"/>
-              <a:t>Blue </a:t>
-            </a:r>
-            <a:r>
-              <a:rPr lang="en-US" sz="2800" dirty="0" smtClean="0"/>
-              <a:t>callout</a:t>
-            </a:r>
-          </a:p>
-          <a:p>
-            <a:r>
-              <a:rPr lang="en-US" sz="2800" dirty="0" smtClean="0"/>
-              <a:t>- </a:t>
-            </a:r>
-            <a:r>
-              <a:rPr lang="en-US" sz="2800" dirty="0" smtClean="0"/>
-              <a:t>Orange </a:t>
-            </a:r>
-            <a:r>
-              <a:rPr lang="en-US" sz="2800" dirty="0" smtClean="0"/>
-              <a:t>callout</a:t>
-            </a:r>
-          </a:p>
-          <a:p>
-            <a:r>
-              <a:rPr lang="en-US" sz="2800" dirty="0" smtClean="0"/>
-              <a:t>- </a:t>
-            </a:r>
-            <a:r>
-              <a:rPr lang="en-US" sz="2800" dirty="0" smtClean="0"/>
-              <a:t>Decorative </a:t>
-            </a:r>
-            <a:r>
-              <a:rPr lang="en-US" sz="2800" dirty="0" smtClean="0"/>
-              <a:t>list</a:t>
-            </a:r>
-          </a:p>
-          <a:p>
-            <a:r>
-              <a:rPr lang="en-US" sz="2800" dirty="0" smtClean="0"/>
-              <a:t>- </a:t>
-            </a:r>
-            <a:r>
-              <a:rPr lang="en-US" sz="2800" dirty="0" smtClean="0"/>
-              <a:t>More </a:t>
-            </a:r>
-            <a:r>
-              <a:rPr lang="en-US" sz="2800" dirty="0" smtClean="0"/>
-              <a:t>link</a:t>
+              <a:t>- Secondary button</a:t>
+            </a:r>
+          </a:p>
+          <a:p>
+            <a:r>
+              <a:rPr lang="en-US" sz="2800" dirty="0" smtClean="0"/>
+              <a:t>- Tertiary button</a:t>
+            </a:r>
+          </a:p>
+          <a:p>
+            <a:r>
+              <a:rPr lang="en-US" sz="2800" dirty="0" smtClean="0"/>
+              <a:t>- Bonus button</a:t>
+            </a:r>
+          </a:p>
+          <a:p>
+            <a:r>
+              <a:rPr lang="en-US" sz="2800" dirty="0" smtClean="0"/>
+              <a:t>- Drop caps</a:t>
+            </a:r>
+          </a:p>
+          <a:p>
+            <a:r>
+              <a:rPr lang="en-US" sz="2800" dirty="0" smtClean="0"/>
+              <a:t>- Blue callout</a:t>
+            </a:r>
+          </a:p>
+          <a:p>
+            <a:r>
+              <a:rPr lang="en-US" sz="2800" dirty="0" smtClean="0"/>
+              <a:t>- Orange callout</a:t>
+            </a:r>
+          </a:p>
+          <a:p>
+            <a:r>
+              <a:rPr lang="en-US" sz="2800" dirty="0" smtClean="0"/>
+              <a:t>- Decorative list</a:t>
+            </a:r>
+          </a:p>
+          <a:p>
+            <a:r>
+              <a:rPr lang="en-US" sz="2800" dirty="0" smtClean="0"/>
+              <a:t>- More link</a:t>
             </a:r>
           </a:p>
           <a:p>
@@ -3860,11 +4369,7 @@
             </a:r>
             <a:r>
               <a:rPr lang="en-US" sz="2800" b="1" dirty="0" smtClean="0"/>
-              <a:t> fonts</a:t>
-            </a:r>
-            <a:r>
-              <a:rPr lang="en-US" sz="2800" b="1" dirty="0" smtClean="0"/>
-              <a:t>:</a:t>
+              <a:t> fonts:</a:t>
             </a:r>
           </a:p>
           <a:p>
@@ -3874,43 +4379,19 @@
             </a:pPr>
             <a:r>
               <a:rPr lang="en-US" sz="2800" dirty="0" smtClean="0"/>
-              <a:t> League </a:t>
-            </a:r>
-            <a:r>
-              <a:rPr lang="en-US" sz="2800" dirty="0" smtClean="0"/>
-              <a:t>Gothic</a:t>
-            </a:r>
-            <a:r>
-              <a:rPr lang="en-US" sz="2800" dirty="0" smtClean="0"/>
-              <a:t>    </a:t>
-            </a:r>
-          </a:p>
-          <a:p>
-            <a:r>
-              <a:rPr lang="en-US" sz="2800" dirty="0" smtClean="0"/>
-              <a:t>  (</a:t>
-            </a:r>
-            <a:r>
-              <a:rPr lang="en-US" sz="2800" dirty="0" smtClean="0"/>
-              <a:t>default</a:t>
-            </a:r>
-            <a:r>
-              <a:rPr lang="en-US" sz="2800" dirty="0" smtClean="0"/>
-              <a:t>)</a:t>
-            </a:r>
-          </a:p>
-          <a:p>
-            <a:r>
-              <a:rPr lang="en-US" sz="2800" dirty="0" smtClean="0"/>
-              <a:t>- </a:t>
-            </a:r>
-            <a:r>
-              <a:rPr lang="en-US" sz="2800" dirty="0" smtClean="0"/>
-              <a:t>Open Sans, extra </a:t>
-            </a:r>
-            <a:r>
-              <a:rPr lang="en-US" sz="2800" dirty="0" smtClean="0"/>
-              <a:t>bold</a:t>
+              <a:t> League Gothic    </a:t>
+            </a:r>
+          </a:p>
+          <a:p>
+            <a:r>
+              <a:rPr lang="en-US" sz="2800" dirty="0" smtClean="0"/>
+              <a:t>  (default)</a:t>
+            </a:r>
+          </a:p>
+          <a:p>
+            <a:r>
+              <a:rPr lang="en-US" sz="2800" dirty="0" smtClean="0"/>
+              <a:t>- Open Sans, extra bold</a:t>
             </a:r>
           </a:p>
           <a:p>
@@ -3942,25 +4423,13 @@
             </a:r>
             <a:r>
               <a:rPr lang="en-US" sz="2800" b="1" dirty="0" smtClean="0"/>
-              <a:t> text colors</a:t>
-            </a:r>
-            <a:r>
-              <a:rPr lang="en-US" sz="2800" b="1" dirty="0" smtClean="0"/>
-              <a:t>:</a:t>
-            </a:r>
-          </a:p>
-          <a:p>
-            <a:r>
-              <a:rPr lang="en-US" sz="2800" dirty="0" smtClean="0"/>
-              <a:t>- </a:t>
-            </a:r>
-            <a:r>
-              <a:rPr lang="en-US" sz="2800" dirty="0" smtClean="0"/>
-              <a:t>Black (default</a:t>
-            </a:r>
-            <a:r>
-              <a:rPr lang="en-US" sz="2800" dirty="0" smtClean="0"/>
-              <a:t>)</a:t>
+              <a:t> text colors:</a:t>
+            </a:r>
+          </a:p>
+          <a:p>
+            <a:r>
+              <a:rPr lang="en-US" sz="2800" dirty="0" smtClean="0"/>
+              <a:t>- Black (default)</a:t>
             </a:r>
           </a:p>
           <a:p>
@@ -3972,11 +4441,7 @@
           <a:p>
             <a:r>
               <a:rPr lang="en-US" sz="2800" dirty="0" smtClean="0"/>
-              <a:t>- </a:t>
-            </a:r>
-            <a:r>
-              <a:rPr lang="en-US" sz="2800" dirty="0" smtClean="0"/>
-              <a:t>Blue</a:t>
+              <a:t>- Blue</a:t>
             </a:r>
             <a:endParaRPr lang="en-US" sz="2800" dirty="0"/>
           </a:p>
@@ -4038,11 +4503,7 @@
           <a:p>
             <a:r>
               <a:rPr lang="en-US" sz="2800" b="1" dirty="0" smtClean="0"/>
-              <a:t>Needed HTML elements</a:t>
-            </a:r>
-            <a:r>
-              <a:rPr lang="en-US" sz="2800" b="1" dirty="0" smtClean="0"/>
-              <a:t>:</a:t>
+              <a:t>Needed HTML elements:</a:t>
             </a:r>
           </a:p>
           <a:p>
@@ -4052,15 +4513,7 @@
             </a:pPr>
             <a:r>
               <a:rPr lang="en-US" sz="2800" dirty="0" smtClean="0"/>
-              <a:t> Headings </a:t>
-            </a:r>
-            <a:r>
-              <a:rPr lang="en-US" sz="2800" dirty="0" smtClean="0"/>
-              <a:t>2-</a:t>
-            </a:r>
-            <a:r>
-              <a:rPr lang="en-US" sz="2800" dirty="0" smtClean="0"/>
-              <a:t>6</a:t>
+              <a:t> Headings 2-6</a:t>
             </a:r>
           </a:p>
           <a:p>
@@ -4095,7 +4548,7 @@
             </a:r>
             <a:r>
               <a:rPr lang="en-US" sz="2800" dirty="0" err="1" smtClean="0"/>
-              <a:t>Uls</a:t>
+              <a:t>ULs</a:t>
             </a:r>
             <a:endParaRPr lang="en-US" sz="2800" dirty="0" smtClean="0"/>
           </a:p>
@@ -4150,11 +4603,7 @@
           <a:p>
             <a:r>
               <a:rPr lang="en-US" sz="2800" b="1" dirty="0" smtClean="0"/>
-              <a:t>Markup targets for styles</a:t>
-            </a:r>
-            <a:r>
-              <a:rPr lang="en-US" sz="2800" b="1" dirty="0" smtClean="0"/>
-              <a:t>:</a:t>
+              <a:t>Markup targets for styles:</a:t>
             </a:r>
           </a:p>
           <a:p>
@@ -4164,11 +4613,7 @@
             </a:pPr>
             <a:r>
               <a:rPr lang="en-US" sz="2800" dirty="0" smtClean="0"/>
-              <a:t> Buttons</a:t>
-            </a:r>
-            <a:r>
-              <a:rPr lang="en-US" sz="2800" dirty="0" smtClean="0"/>
-              <a:t>, more link: </a:t>
+              <a:t> Buttons, more link: </a:t>
             </a:r>
             <a:r>
               <a:rPr lang="en-US" sz="2800" i="1" dirty="0" smtClean="0"/>
@@ -4178,11 +4623,7 @@
           <a:p>
             <a:r>
               <a:rPr lang="en-US" sz="2800" dirty="0" smtClean="0"/>
-              <a:t>- </a:t>
-            </a:r>
-            <a:r>
-              <a:rPr lang="en-US" sz="2800" dirty="0" smtClean="0"/>
-              <a:t>Drop caps: </a:t>
+              <a:t>- Drop caps: </a:t>
             </a:r>
             <a:r>
               <a:rPr lang="en-US" sz="2800" i="1" dirty="0" smtClean="0"/>
@@ -4192,11 +4633,7 @@
           <a:p>
             <a:r>
               <a:rPr lang="en-US" sz="2800" dirty="0" smtClean="0"/>
-              <a:t>- </a:t>
-            </a:r>
-            <a:r>
-              <a:rPr lang="en-US" sz="2800" dirty="0" smtClean="0"/>
-              <a:t>Callouts: </a:t>
+              <a:t>- Callouts: </a:t>
             </a:r>
             <a:r>
               <a:rPr lang="en-US" sz="2800" i="1" dirty="0" smtClean="0"/>
@@ -4206,11 +4643,7 @@
           <a:p>
             <a:r>
               <a:rPr lang="en-US" sz="2800" dirty="0" smtClean="0"/>
-              <a:t>- </a:t>
-            </a:r>
-            <a:r>
-              <a:rPr lang="en-US" sz="2800" dirty="0" smtClean="0"/>
-              <a:t>Decorative list: </a:t>
+              <a:t>- Decorative list: </a:t>
             </a:r>
             <a:r>
               <a:rPr lang="en-US" sz="2800" i="1" dirty="0" err="1" smtClean="0"/>
@@ -4221,11 +4654,7 @@
           <a:p>
             <a:r>
               <a:rPr lang="en-US" sz="2800" dirty="0" smtClean="0"/>
-              <a:t>- </a:t>
-            </a:r>
-            <a:r>
-              <a:rPr lang="en-US" sz="2800" dirty="0" smtClean="0"/>
-              <a:t>Images: </a:t>
+              <a:t>- Images: </a:t>
             </a:r>
             <a:r>
               <a:rPr lang="en-US" sz="2800" i="1" dirty="0" err="1" smtClean="0"/>
@@ -4291,11 +4720,7 @@
           <a:p>
             <a:r>
               <a:rPr lang="en-US" sz="4400" b="1" dirty="0" smtClean="0"/>
-              <a:t>2</a:t>
-            </a:r>
-            <a:r>
-              <a:rPr lang="en-US" sz="4400" b="1" dirty="0" smtClean="0"/>
-              <a:t>) Create the code</a:t>
+              <a:t>2) Create the code</a:t>
             </a:r>
           </a:p>
           <a:p>
@@ -4308,17 +4733,8 @@
             </a:pPr>
             <a:r>
               <a:rPr lang="en-US" sz="2800" dirty="0" smtClean="0"/>
-              <a:t>Compass</a:t>
-            </a:r>
-            <a:r>
-              <a:rPr lang="en-US" sz="2800" dirty="0" smtClean="0"/>
-              <a:t>/SASS </a:t>
-            </a:r>
-            <a:r>
-              <a:rPr lang="en-US" sz="2800" dirty="0" smtClean="0"/>
-              <a:t>helpers</a:t>
-            </a:r>
-            <a:endParaRPr lang="en-US" sz="2800" dirty="0" smtClean="0"/>
+              <a:t>Compass/SASS helpers</a:t>
+            </a:r>
           </a:p>
           <a:p>
             <a:pPr marL="971550" lvl="1" indent="-514350">
@@ -4327,11 +4743,7 @@
             </a:pPr>
             <a:r>
               <a:rPr lang="en-US" sz="2800" dirty="0" smtClean="0"/>
-              <a:t>Use </a:t>
-            </a:r>
-            <a:r>
-              <a:rPr lang="en-US" sz="2800" dirty="0" smtClean="0"/>
-              <a:t>a separate </a:t>
+              <a:t>Use a separate </a:t>
             </a:r>
             <a:r>
               <a:rPr lang="en-US" sz="2800" dirty="0" err="1" smtClean="0"/>
@@ -4339,13 +4751,8 @@
             </a:r>
             <a:r>
               <a:rPr lang="en-US" sz="2800" dirty="0" smtClean="0"/>
-              <a:t> file for reusable </a:t>
-            </a:r>
-            <a:r>
-              <a:rPr lang="en-US" sz="2800" dirty="0" smtClean="0"/>
-              <a:t>styles</a:t>
-            </a:r>
-            <a:endParaRPr lang="en-US" sz="2800" dirty="0" smtClean="0"/>
+              <a:t> file for reusable styles</a:t>
+            </a:r>
           </a:p>
           <a:p>
             <a:pPr marL="971550" lvl="1" indent="-514350">
@@ -4435,11 +4842,7 @@
             </a:pPr>
             <a:r>
               <a:rPr lang="en-US" sz="2800" dirty="0" smtClean="0"/>
-              <a:t>If </a:t>
-            </a:r>
-            <a:r>
-              <a:rPr lang="en-US" sz="2800" dirty="0" smtClean="0"/>
-              <a:t>needed, use compass to generate a special </a:t>
+              <a:t>If needed, use compass to generate a special </a:t>
             </a:r>
             <a:r>
               <a:rPr lang="en-US" sz="2800" b="1" u="sng" dirty="0" err="1" smtClean="0"/>
@@ -4447,11 +4850,7 @@
             </a:r>
             <a:r>
               <a:rPr lang="en-US" sz="2800" dirty="0" smtClean="0"/>
-              <a:t> </a:t>
-            </a:r>
-            <a:r>
-              <a:rPr lang="en-US" sz="2800" dirty="0" smtClean="0"/>
-              <a:t>file</a:t>
+              <a:t> file</a:t>
             </a:r>
           </a:p>
           <a:p>
@@ -4479,15 +4878,7 @@
             </a:pPr>
             <a:r>
               <a:rPr lang="en-US" sz="2800" dirty="0" smtClean="0"/>
-              <a:t>its </a:t>
-            </a:r>
-            <a:r>
-              <a:rPr lang="en-US" sz="2800" dirty="0" smtClean="0"/>
-              <a:t>default styles</a:t>
-            </a:r>
-            <a:r>
-              <a:rPr lang="en-US" sz="2800" dirty="0" smtClean="0"/>
-              <a:t>,</a:t>
+              <a:t>its default styles,</a:t>
             </a:r>
           </a:p>
           <a:p>
@@ -4497,15 +4888,7 @@
             </a:pPr>
             <a:r>
               <a:rPr lang="en-US" sz="2800" dirty="0" smtClean="0"/>
-              <a:t>the </a:t>
-            </a:r>
-            <a:r>
-              <a:rPr lang="en-US" sz="2800" dirty="0" smtClean="0"/>
-              <a:t>current theme styles, or</a:t>
-            </a:r>
-            <a:r>
-              <a:rPr lang="en-US" sz="2800" dirty="0" smtClean="0"/>
-              <a:t> </a:t>
+              <a:t>the current theme styles, or </a:t>
             </a:r>
           </a:p>
           <a:p>
@@ -4515,31 +4898,7 @@
             </a:pPr>
             <a:r>
               <a:rPr lang="en-US" sz="2800" dirty="0" smtClean="0"/>
-              <a:t>a </a:t>
-            </a:r>
-            <a:r>
-              <a:rPr lang="en-US" sz="2800" dirty="0" smtClean="0"/>
-              <a:t>custom defined set of </a:t>
-            </a:r>
-            <a:r>
-              <a:rPr lang="en-US" sz="2800" dirty="0" smtClean="0"/>
-              <a:t>styles. </a:t>
-            </a:r>
-            <a:r>
-              <a:rPr lang="en-US" sz="2800" dirty="0" smtClean="0"/>
-              <a:t>I usually like</a:t>
-            </a:r>
-            <a:r>
-              <a:rPr lang="en-US" sz="2800" dirty="0" smtClean="0"/>
-              <a:t> this one since it gives </a:t>
-            </a:r>
-            <a:r>
-              <a:rPr lang="en-US" sz="2800" dirty="0" smtClean="0"/>
-              <a:t>me more </a:t>
-            </a:r>
-            <a:r>
-              <a:rPr lang="en-US" sz="2800" dirty="0" smtClean="0"/>
-              <a:t>control.</a:t>
+              <a:t>a custom defined set of styles. I usually like this one since it gives me more control.</a:t>
             </a:r>
           </a:p>
           <a:p>
@@ -4557,11 +4916,7 @@
             </a:r>
             <a:r>
               <a:rPr lang="en-US" sz="2800" dirty="0" smtClean="0"/>
-              <a:t>styles can </a:t>
-            </a:r>
-            <a:r>
-              <a:rPr lang="en-US" sz="2800" dirty="0" smtClean="0"/>
-              <a:t>introduce not-fun other bugs because of the </a:t>
+              <a:t>styles can introduce not-fun other bugs because of the </a:t>
             </a:r>
             <a:r>
               <a:rPr lang="en-US" sz="2800" dirty="0" err="1" smtClean="0"/>
@@ -4569,19 +4924,7 @@
             </a:r>
             <a:r>
               <a:rPr lang="en-US" sz="2800" dirty="0" smtClean="0"/>
-              <a:t>,</a:t>
-            </a:r>
-            <a:r>
-              <a:rPr lang="en-US" sz="2800" dirty="0" smtClean="0"/>
-              <a:t> e.g. </a:t>
-            </a:r>
-            <a:r>
-              <a:rPr lang="en-US" sz="2800" dirty="0" smtClean="0"/>
-              <a:t>body tag styles...</a:t>
-            </a:r>
-            <a:r>
-              <a:rPr lang="en-US" sz="2800" dirty="0" smtClean="0"/>
-              <a:t> A separate, special </a:t>
+              <a:t>, e.g. body tag styles... A separate, special </a:t>
             </a:r>
             <a:r>
               <a:rPr lang="en-US" sz="2800" dirty="0" err="1" smtClean="0"/>
@@ -4597,11 +4940,7 @@
             </a:r>
             <a:r>
               <a:rPr lang="en-US" sz="2800" dirty="0" smtClean="0"/>
-              <a:t> lets you include </a:t>
-            </a:r>
-            <a:r>
-              <a:rPr lang="en-US" sz="2800" dirty="0" smtClean="0"/>
-              <a:t>your </a:t>
+              <a:t> lets you include your </a:t>
             </a:r>
             <a:r>
               <a:rPr lang="en-US" sz="2800" dirty="0" err="1" smtClean="0"/>
@@ -4609,11 +4948,7 @@
             </a:r>
             <a:r>
               <a:rPr lang="en-US" sz="2800" dirty="0" smtClean="0"/>
-              <a:t> styles and add any</a:t>
-            </a:r>
-            <a:r>
-              <a:rPr lang="en-US" sz="2800" dirty="0" smtClean="0"/>
-              <a:t> fixes.</a:t>
+              <a:t> styles and add any fixes.</a:t>
             </a:r>
             <a:endParaRPr lang="en-US" sz="2800" dirty="0">
               <a:solidFill>
@@ -4704,11 +5039,7 @@
             </a:pPr>
             <a:r>
               <a:rPr lang="en-US" sz="2800" dirty="0" smtClean="0"/>
-              <a:t>Copy </a:t>
-            </a:r>
-            <a:r>
-              <a:rPr lang="en-US" sz="2800" dirty="0" smtClean="0"/>
-              <a:t>the </a:t>
+              <a:t>Copy the </a:t>
             </a:r>
             <a:r>
               <a:rPr lang="en-US" sz="2800" dirty="0" err="1" smtClean="0"/>
@@ -4716,11 +5047,7 @@
             </a:r>
             <a:r>
               <a:rPr lang="en-US" sz="2800" dirty="0" smtClean="0"/>
-              <a:t> file from the module into your theme's JS </a:t>
-            </a:r>
-            <a:r>
-              <a:rPr lang="en-US" sz="2800" dirty="0" smtClean="0"/>
-              <a:t>directory</a:t>
+              <a:t> file from the module into your theme's JS directory</a:t>
             </a:r>
           </a:p>
           <a:p>
@@ -4730,17 +5057,8 @@
             </a:pPr>
             <a:r>
               <a:rPr lang="en-US" sz="2800" dirty="0" smtClean="0"/>
-              <a:t>Modify </a:t>
-            </a:r>
-            <a:r>
-              <a:rPr lang="en-US" sz="2800" dirty="0" smtClean="0"/>
-              <a:t>it to use your own </a:t>
-            </a:r>
-            <a:r>
-              <a:rPr lang="en-US" sz="2800" dirty="0" smtClean="0"/>
-              <a:t>styles</a:t>
-            </a:r>
-            <a:endParaRPr lang="en-US" sz="2800" dirty="0" smtClean="0"/>
+              <a:t>Modify it to use your own styles</a:t>
+            </a:r>
           </a:p>
           <a:p>
             <a:pPr marL="1428750" lvl="2" indent="-514350">
@@ -4749,17 +5067,8 @@
             </a:pPr>
             <a:r>
               <a:rPr lang="en-US" sz="2800" dirty="0" smtClean="0"/>
-              <a:t>Choose </a:t>
-            </a:r>
-            <a:r>
-              <a:rPr lang="en-US" sz="2800" dirty="0" smtClean="0"/>
-              <a:t>your selectors </a:t>
-            </a:r>
-            <a:r>
-              <a:rPr lang="en-US" sz="2800" dirty="0" smtClean="0"/>
-              <a:t>carefully</a:t>
-            </a:r>
-            <a:endParaRPr lang="en-US" sz="2800" dirty="0" smtClean="0"/>
+              <a:t>Choose your selectors carefully</a:t>
+            </a:r>
           </a:p>
           <a:p>
             <a:pPr marL="1428750" lvl="2" indent="-514350">
@@ -4768,11 +5077,7 @@
             </a:pPr>
             <a:r>
               <a:rPr lang="en-US" sz="2800" dirty="0" smtClean="0"/>
-              <a:t>Give </a:t>
-            </a:r>
-            <a:r>
-              <a:rPr lang="en-US" sz="2800" dirty="0" smtClean="0"/>
-              <a:t>classes instead of directly modifying styles</a:t>
+              <a:t>Give classes instead of directly modifying styles</a:t>
             </a:r>
             <a:endParaRPr lang="en-US" sz="2800" dirty="0">
               <a:solidFill>
@@ -4838,11 +5143,7 @@
           <a:p>
             <a:r>
               <a:rPr lang="en-US" sz="4400" b="1" dirty="0" smtClean="0"/>
-              <a:t>3</a:t>
-            </a:r>
-            <a:r>
-              <a:rPr lang="en-US" sz="4400" b="1" dirty="0" smtClean="0"/>
-              <a:t>) Configure </a:t>
+              <a:t>3) Configure </a:t>
             </a:r>
             <a:r>
               <a:rPr lang="en-US" sz="4400" b="1" dirty="0" err="1" smtClean="0"/>
@@ -4870,11 +5171,7 @@
             </a:pPr>
             <a:r>
               <a:rPr lang="en-US" sz="2800" dirty="0" smtClean="0"/>
-              <a:t>Choose </a:t>
-            </a:r>
-            <a:r>
-              <a:rPr lang="en-US" sz="2800" dirty="0" smtClean="0"/>
-              <a:t>which </a:t>
+              <a:t>Choose which </a:t>
             </a:r>
             <a:r>
               <a:rPr lang="en-US" sz="2800" dirty="0" err="1" smtClean="0"/>
@@ -4882,11 +5179,7 @@
             </a:r>
             <a:r>
               <a:rPr lang="en-US" sz="2800" dirty="0" smtClean="0"/>
-              <a:t>) you want to </a:t>
-            </a:r>
-            <a:r>
-              <a:rPr lang="en-US" sz="2800" dirty="0" smtClean="0"/>
-              <a:t>use</a:t>
+              <a:t>) you want to use</a:t>
             </a:r>
           </a:p>
           <a:p>
@@ -4900,15 +5193,7 @@
             </a:r>
             <a:r>
               <a:rPr lang="en-US" sz="2800" dirty="0" smtClean="0"/>
-              <a:t> </a:t>
-            </a:r>
-            <a:r>
-              <a:rPr lang="en-US" sz="2800" dirty="0" smtClean="0"/>
-              <a:t>start here, e.g. link filters, media filters, image </a:t>
-            </a:r>
-            <a:r>
-              <a:rPr lang="en-US" sz="2800" dirty="0" smtClean="0"/>
-              <a:t>resize</a:t>
+              <a:t> start here, e.g. link filters, media filters, image resize</a:t>
             </a:r>
           </a:p>
           <a:p>
@@ -4918,15 +5203,7 @@
             </a:pPr>
             <a:r>
               <a:rPr lang="en-US" sz="2800" dirty="0" smtClean="0"/>
-              <a:t>Here </a:t>
-            </a:r>
-            <a:r>
-              <a:rPr lang="en-US" sz="2800" dirty="0" smtClean="0"/>
-              <a:t>is a good place to incorporate </a:t>
-            </a:r>
-            <a:r>
-              <a:rPr lang="en-US" sz="2800" dirty="0" smtClean="0"/>
-              <a:t>security</a:t>
+              <a:t>Here is a good place to incorporate security</a:t>
             </a:r>
           </a:p>
           <a:p>
@@ -4936,15 +5213,7 @@
             </a:pPr>
             <a:r>
               <a:rPr lang="en-US" sz="2800" dirty="0" smtClean="0"/>
-              <a:t>The order </a:t>
-            </a:r>
-            <a:r>
-              <a:rPr lang="en-US" sz="2800" dirty="0" smtClean="0"/>
-              <a:t>of the text formats </a:t>
-            </a:r>
-            <a:r>
-              <a:rPr lang="en-US" sz="2800" dirty="0" smtClean="0"/>
-              <a:t>matters</a:t>
+              <a:t>The order of the text formats matters</a:t>
             </a:r>
           </a:p>
           <a:p>
@@ -4983,11 +5252,7 @@
             </a:r>
             <a:r>
               <a:rPr lang="en-US" sz="2800" dirty="0" smtClean="0"/>
-              <a:t> is going into code, you may want to create a new</a:t>
-            </a:r>
-            <a:r>
-              <a:rPr lang="en-US" sz="2800" dirty="0" smtClean="0"/>
-              <a:t> profile</a:t>
+              <a:t> is going into code, you may want to create a new profile</a:t>
             </a:r>
             <a:endParaRPr lang="en-US" sz="2800" dirty="0">
               <a:solidFill>
@@ -5076,7 +5341,7 @@
           <p:nvPr/>
         </p:nvPicPr>
         <p:blipFill>
-          <a:blip r:embed="rId2"/>
+          <a:blip r:embed="rId3"/>
           <a:stretch>
             <a:fillRect/>
           </a:stretch>
@@ -5151,15 +5416,7 @@
             </a:r>
             <a:r>
               <a:rPr lang="en-US" sz="3600" dirty="0" smtClean="0"/>
-              <a:t> </a:t>
-            </a:r>
-            <a:r>
-              <a:rPr lang="en-US" sz="3600" dirty="0" smtClean="0"/>
-              <a:t>profile </a:t>
-            </a:r>
-            <a:r>
-              <a:rPr lang="en-US" sz="3600" dirty="0" smtClean="0"/>
-              <a:t>configuration</a:t>
+              <a:t> profile configuration</a:t>
             </a:r>
           </a:p>
           <a:p>
@@ -5191,11 +5448,7 @@
             </a:r>
             <a:r>
               <a:rPr lang="en-US" sz="2800" b="1" dirty="0" smtClean="0"/>
-              <a:t> </a:t>
-            </a:r>
-            <a:r>
-              <a:rPr lang="en-US" sz="2800" b="1" dirty="0" smtClean="0"/>
-              <a:t>used</a:t>
+              <a:t> used</a:t>
             </a:r>
             <a:r>
               <a:rPr lang="en-US" sz="2800" dirty="0" smtClean="0"/>
@@ -5223,11 +5476,7 @@
             </a:r>
             <a:r>
               <a:rPr lang="en-US" sz="2800" dirty="0" smtClean="0"/>
-              <a:t> embedded </a:t>
-            </a:r>
-            <a:r>
-              <a:rPr lang="en-US" sz="2800" dirty="0" smtClean="0"/>
-              <a:t>media</a:t>
+              <a:t> embedded media</a:t>
             </a:r>
             <a:endParaRPr lang="en-US" sz="2800" dirty="0">
               <a:solidFill>
@@ -5321,11 +5570,7 @@
             </a:pPr>
             <a:r>
               <a:rPr lang="en-US" sz="2800" b="1" dirty="0" smtClean="0"/>
-              <a:t>Buttons </a:t>
-            </a:r>
-            <a:r>
-              <a:rPr lang="en-US" sz="2800" b="1" dirty="0" smtClean="0"/>
-              <a:t>used: </a:t>
+              <a:t>Buttons used: </a:t>
             </a:r>
             <a:r>
               <a:rPr lang="en-US" sz="2800" u="sng" dirty="0" smtClean="0"/>
@@ -5405,11 +5650,7 @@
             </a:r>
             <a:r>
               <a:rPr lang="en-US" sz="2800" dirty="0" smtClean="0"/>
-              <a:t>, media embed, table, hr, special character</a:t>
-            </a:r>
-            <a:r>
-              <a:rPr lang="en-US" sz="2800" dirty="0" smtClean="0"/>
-              <a:t>.</a:t>
+              <a:t>, media embed, table, hr, special character.</a:t>
             </a:r>
             <a:endParaRPr lang="en-US" sz="2800" dirty="0" smtClean="0">
               <a:solidFill>
@@ -5503,15 +5744,7 @@
             </a:pPr>
             <a:r>
               <a:rPr lang="en-US" sz="2800" dirty="0" smtClean="0"/>
-              <a:t>Cleanup </a:t>
-            </a:r>
-            <a:r>
-              <a:rPr lang="en-US" sz="2800" dirty="0" smtClean="0"/>
-              <a:t>and </a:t>
-            </a:r>
-            <a:r>
-              <a:rPr lang="en-US" sz="2800" dirty="0" smtClean="0"/>
-              <a:t>output </a:t>
+              <a:t>Cleanup and output </a:t>
             </a:r>
             <a:r>
               <a:rPr lang="en-US" sz="2800" dirty="0" err="1" smtClean="0"/>
@@ -5526,11 +5759,7 @@
             </a:pPr>
             <a:r>
               <a:rPr lang="en-US" sz="2800" b="1" dirty="0" smtClean="0"/>
-              <a:t>Font </a:t>
-            </a:r>
-            <a:r>
-              <a:rPr lang="en-US" sz="2800" b="1" dirty="0" smtClean="0"/>
-              <a:t>formats: </a:t>
+              <a:t>Font formats: </a:t>
             </a:r>
             <a:r>
               <a:rPr lang="en-US" sz="2800" dirty="0" smtClean="0"/>
@@ -5650,19 +5879,11 @@
             </a:pPr>
             <a:r>
               <a:rPr lang="en-US" sz="2800" b="1" dirty="0" smtClean="0"/>
-              <a:t>Editor </a:t>
-            </a:r>
-            <a:r>
-              <a:rPr lang="en-US" sz="2800" b="1" dirty="0" smtClean="0"/>
-              <a:t>CSS: </a:t>
-            </a:r>
-            <a:r>
-              <a:rPr lang="en-US" sz="2800" dirty="0" smtClean="0"/>
-              <a:t>Define </a:t>
-            </a:r>
-            <a:r>
-              <a:rPr lang="en-US" sz="2800" dirty="0" smtClean="0"/>
-              <a:t>CSS</a:t>
+              <a:t>Editor CSS: </a:t>
+            </a:r>
+            <a:r>
+              <a:rPr lang="en-US" sz="2800" dirty="0" smtClean="0"/>
+              <a:t>Define CSS</a:t>
             </a:r>
           </a:p>
           <a:p>
@@ -5686,11 +5907,7 @@
             </a:pPr>
             <a:r>
               <a:rPr lang="en-US" sz="2800" b="1" dirty="0" smtClean="0"/>
-              <a:t>CSS </a:t>
-            </a:r>
-            <a:r>
-              <a:rPr lang="en-US" sz="2800" b="1" dirty="0" smtClean="0"/>
-              <a:t>file path: </a:t>
+              <a:t>CSS file path: </a:t>
             </a:r>
             <a:r>
               <a:rPr lang="en-US" sz="2800" dirty="0" smtClean="0"/>
@@ -5698,11 +5915,7 @@
             </a:r>
             <a:r>
               <a:rPr lang="en-US" sz="2800" dirty="0" err="1" smtClean="0"/>
-              <a:t>tcss/</a:t>
-            </a:r>
-            <a:r>
-              <a:rPr lang="en-US" sz="2800" dirty="0" err="1" smtClean="0"/>
-              <a:t>global.css</a:t>
+              <a:t>tcss/global.css</a:t>
             </a:r>
             <a:endParaRPr lang="en-US" sz="2800" dirty="0" smtClean="0"/>
           </a:p>
@@ -5717,11 +5930,7 @@
             </a:pPr>
             <a:r>
               <a:rPr lang="en-US" sz="2800" b="1" dirty="0" smtClean="0"/>
-              <a:t>Predefined </a:t>
-            </a:r>
-            <a:r>
-              <a:rPr lang="en-US" sz="2800" b="1" dirty="0" smtClean="0"/>
-              <a:t>styles: </a:t>
+              <a:t>Predefined styles: </a:t>
             </a:r>
             <a:r>
               <a:rPr lang="en-US" sz="2800" dirty="0" smtClean="0"/>
@@ -5754,11 +5963,7 @@
             </a:pPr>
             <a:r>
               <a:rPr lang="en-US" sz="2800" b="1" dirty="0" smtClean="0"/>
-              <a:t>Predefined </a:t>
-            </a:r>
-            <a:r>
-              <a:rPr lang="en-US" sz="2800" b="1" dirty="0" smtClean="0"/>
-              <a:t>styles path: </a:t>
+              <a:t>Predefined styles path: </a:t>
             </a:r>
             <a:r>
               <a:rPr lang="en-US" sz="2800" dirty="0" smtClean="0"/>
@@ -5884,11 +6089,7 @@
             </a:pPr>
             <a:r>
               <a:rPr lang="en-US" sz="2800" dirty="0" smtClean="0"/>
-              <a:t>Advanced </a:t>
-            </a:r>
-            <a:r>
-              <a:rPr lang="en-US" sz="2800" dirty="0" smtClean="0"/>
-              <a:t>options </a:t>
+              <a:t>Advanced options </a:t>
             </a:r>
             <a:r>
               <a:rPr lang="en-US" sz="2800" dirty="0" err="1" smtClean="0"/>
@@ -5910,15 +6111,7 @@
             </a:pPr>
             <a:r>
               <a:rPr lang="en-US" sz="2800" b="1" dirty="0" smtClean="0"/>
-              <a:t>Custom </a:t>
-            </a:r>
-            <a:r>
-              <a:rPr lang="en-US" sz="2800" b="1" dirty="0" smtClean="0"/>
-              <a:t>JavaScript configuration</a:t>
-            </a:r>
-            <a:r>
-              <a:rPr lang="en-US" sz="2800" b="1" dirty="0" smtClean="0"/>
-              <a:t>: </a:t>
+              <a:t>Custom JavaScript configuration: </a:t>
             </a:r>
           </a:p>
           <a:p>
@@ -5932,11 +6125,7 @@
             </a:r>
             <a:r>
               <a:rPr lang="en-US" sz="2800" dirty="0" smtClean="0"/>
-              <a:t> </a:t>
-            </a:r>
-            <a:r>
-              <a:rPr lang="en-US" sz="2800" dirty="0" smtClean="0"/>
-              <a:t>= 'Arial, Helvetica </a:t>
+              <a:t> = 'Arial, Helvetica </a:t>
             </a:r>
             <a:r>
               <a:rPr lang="en-US" sz="2800" dirty="0" err="1" smtClean="0"/>
@@ -5964,11 +6153,7 @@
             </a:r>
             <a:r>
               <a:rPr lang="en-US" sz="2800" dirty="0" err="1" smtClean="0"/>
-              <a:t>serif</a:t>
-            </a:r>
-            <a:r>
-              <a:rPr lang="en-US" sz="2800" dirty="0" err="1" smtClean="0"/>
-              <a:t>;OpenSansExtrabold</a:t>
+              <a:t>serif;OpenSansExtrabold</a:t>
             </a:r>
             <a:r>
               <a:rPr lang="en-US" sz="2800" dirty="0" smtClean="0"/>
@@ -5980,11 +6165,7 @@
             </a:r>
             <a:r>
               <a:rPr lang="en-US" sz="2800" dirty="0" smtClean="0"/>
-              <a:t>, Georgia, Palatino, Times New Roman, </a:t>
-            </a:r>
-            <a:r>
-              <a:rPr lang="en-US" sz="2800" dirty="0" smtClean="0"/>
-              <a:t>serif’;</a:t>
+              <a:t>, Georgia, Palatino, Times New Roman, serif’;</a:t>
             </a:r>
           </a:p>
           <a:p>
@@ -5998,11 +6179,7 @@
             </a:r>
             <a:r>
               <a:rPr lang="en-US" sz="2800" dirty="0" smtClean="0"/>
-              <a:t> </a:t>
-            </a:r>
-            <a:r>
-              <a:rPr lang="en-US" sz="2800" dirty="0" smtClean="0"/>
-              <a:t>= '272727,92c5eb,f7941e';</a:t>
+              <a:t> = '272727,92c5eb,f7941e';</a:t>
             </a:r>
             <a:endParaRPr lang="en-US" sz="2800" dirty="0" smtClean="0">
               <a:solidFill>
@@ -6174,11 +6351,6 @@
               </a:rPr>
               <a:t>Create a reusable styles demo page</a:t>
             </a:r>
-            <a:endParaRPr lang="en-US" sz="2800" dirty="0" smtClean="0">
-              <a:solidFill>
-                <a:srgbClr val="FFFFFF"/>
-              </a:solidFill>
-            </a:endParaRPr>
           </a:p>
         </p:txBody>
       </p:sp>
@@ -6214,104 +6386,6 @@
           <a:chExt cx="0" cy="0"/>
         </a:xfrm>
       </p:grpSpPr>
-      <p:pic>
-        <p:nvPicPr>
-          <p:cNvPr id="3" name="Picture 2" descr="Forefathers Group | The New Design Frontier-11.jpg"/>
-          <p:cNvPicPr>
-            <a:picLocks noChangeAspect="1"/>
-          </p:cNvPicPr>
-          <p:nvPr/>
-        </p:nvPicPr>
-        <p:blipFill>
-          <a:blip r:embed="rId2"/>
-          <a:stretch>
-            <a:fillRect/>
-          </a:stretch>
-        </p:blipFill>
-        <p:spPr>
-          <a:xfrm>
-            <a:off x="1892300" y="-1"/>
-            <a:ext cx="5194300" cy="6858001"/>
-          </a:xfrm>
-          <a:prstGeom prst="rect">
-            <a:avLst/>
-          </a:prstGeom>
-        </p:spPr>
-      </p:pic>
-    </p:spTree>
-  </p:cSld>
-  <p:clrMapOvr>
-    <a:masterClrMapping/>
-  </p:clrMapOvr>
-</p:sld>
-</file>
-
-<file path=ppt/slides/slide28.xml><?xml version="1.0" encoding="utf-8"?>
-<p:sld xmlns:a="http://schemas.openxmlformats.org/drawingml/2006/main" xmlns:r="http://schemas.openxmlformats.org/officeDocument/2006/relationships" xmlns:mc="http://schemas.openxmlformats.org/markup-compatibility/2006" xmlns:mv="urn:schemas-microsoft-com:mac:vml" xmlns:p="http://schemas.openxmlformats.org/presentationml/2006/main" mc:Ignorable="mv" mc:PreserveAttributes="mv:*">
-  <p:cSld>
-    <p:spTree>
-      <p:nvGrpSpPr>
-        <p:cNvPr id="1" name=""/>
-        <p:cNvGrpSpPr/>
-        <p:nvPr/>
-      </p:nvGrpSpPr>
-      <p:grpSpPr>
-        <a:xfrm>
-          <a:off x="0" y="0"/>
-          <a:ext cx="0" cy="0"/>
-          <a:chOff x="0" y="0"/>
-          <a:chExt cx="0" cy="0"/>
-        </a:xfrm>
-      </p:grpSpPr>
-      <p:pic>
-        <p:nvPicPr>
-          <p:cNvPr id="4" name="Picture 3" descr="Forefathers Group | The New Design Frontier-12.jpg"/>
-          <p:cNvPicPr>
-            <a:picLocks noChangeAspect="1"/>
-          </p:cNvPicPr>
-          <p:nvPr/>
-        </p:nvPicPr>
-        <p:blipFill>
-          <a:blip r:embed="rId2"/>
-          <a:stretch>
-            <a:fillRect/>
-          </a:stretch>
-        </p:blipFill>
-        <p:spPr>
-          <a:xfrm>
-            <a:off x="2949575" y="0"/>
-            <a:ext cx="3222625" cy="6858000"/>
-          </a:xfrm>
-          <a:prstGeom prst="rect">
-            <a:avLst/>
-          </a:prstGeom>
-        </p:spPr>
-      </p:pic>
-    </p:spTree>
-  </p:cSld>
-  <p:clrMapOvr>
-    <a:masterClrMapping/>
-  </p:clrMapOvr>
-</p:sld>
-</file>
-
-<file path=ppt/slides/slide29.xml><?xml version="1.0" encoding="utf-8"?>
-<p:sld xmlns:a="http://schemas.openxmlformats.org/drawingml/2006/main" xmlns:r="http://schemas.openxmlformats.org/officeDocument/2006/relationships" xmlns:mc="http://schemas.openxmlformats.org/markup-compatibility/2006" xmlns:mv="urn:schemas-microsoft-com:mac:vml" xmlns:p="http://schemas.openxmlformats.org/presentationml/2006/main" mc:Ignorable="mv" mc:PreserveAttributes="mv:*">
-  <p:cSld>
-    <p:spTree>
-      <p:nvGrpSpPr>
-        <p:cNvPr id="1" name=""/>
-        <p:cNvGrpSpPr/>
-        <p:nvPr/>
-      </p:nvGrpSpPr>
-      <p:grpSpPr>
-        <a:xfrm>
-          <a:off x="0" y="0"/>
-          <a:ext cx="0" cy="0"/>
-          <a:chOff x="0" y="0"/>
-          <a:chExt cx="0" cy="0"/>
-        </a:xfrm>
-      </p:grpSpPr>
       <p:sp>
         <p:nvSpPr>
           <p:cNvPr id="2" name="Title 1"/>
@@ -6347,41 +6421,21 @@
             </a:br>
             <a:r>
               <a:rPr lang="en-US" sz="5400" b="1" dirty="0" smtClean="0"/>
-              <a:t>+ </a:t>
-            </a:r>
-            <a:r>
-              <a:rPr lang="en-US" sz="5400" b="1" dirty="0" smtClean="0"/>
-              <a:t>reusable styles</a:t>
-            </a:r>
-            <a:r>
-              <a:rPr lang="en-US" sz="5400" b="1" dirty="0" smtClean="0"/>
-              <a:t> </a:t>
+              <a:t>+ reusable styles </a:t>
             </a:r>
             <a:br>
               <a:rPr lang="en-US" sz="5400" b="1" dirty="0" smtClean="0"/>
             </a:br>
             <a:r>
               <a:rPr lang="en-US" sz="5400" b="1" dirty="0" smtClean="0"/>
-              <a:t>= </a:t>
-            </a:r>
-            <a:r>
-              <a:rPr lang="en-US" sz="5400" b="1" dirty="0" smtClean="0"/>
-              <a:t>User-</a:t>
-            </a:r>
-            <a:r>
-              <a:rPr lang="en-US" sz="5400" b="1" dirty="0" smtClean="0"/>
-              <a:t>friendly rich </a:t>
+              <a:t>= User-friendly rich </a:t>
             </a:r>
             <a:br>
               <a:rPr lang="en-US" sz="5400" b="1" dirty="0" smtClean="0"/>
             </a:br>
             <a:r>
               <a:rPr lang="en-US" sz="5400" b="1" dirty="0" smtClean="0"/>
-              <a:t>text </a:t>
-            </a:r>
-            <a:r>
-              <a:rPr lang="en-US" sz="5400" b="1" dirty="0" smtClean="0"/>
-              <a:t>styling</a:t>
+              <a:t>text styling</a:t>
             </a:r>
             <a:endParaRPr lang="en-US" sz="5400" dirty="0"/>
           </a:p>
@@ -6415,15 +6469,7 @@
                   <a:schemeClr val="tx1"/>
                 </a:solidFill>
               </a:rPr>
-              <a:t>PDX DUG</a:t>
-            </a:r>
-            <a:r>
-              <a:rPr lang="en-US" sz="1800" i="1" dirty="0" smtClean="0">
-                <a:solidFill>
-                  <a:schemeClr val="tx1"/>
-                </a:solidFill>
-              </a:rPr>
-              <a:t> </a:t>
+              <a:t>PDX DUG </a:t>
             </a:r>
             <a:r>
               <a:rPr lang="en-US" sz="1800" i="1" dirty="0" err="1" smtClean="0">
@@ -6439,23 +6485,7 @@
                   <a:schemeClr val="tx1"/>
                 </a:solidFill>
               </a:rPr>
-              <a:t>  </a:t>
-            </a:r>
-            <a:r>
-              <a:rPr lang="en-US" sz="1800" i="1" dirty="0" smtClean="0">
-                <a:solidFill>
-                  <a:schemeClr val="tx1"/>
-                </a:solidFill>
-              </a:rPr>
-              <a:t>April 10, </a:t>
-            </a:r>
-            <a:r>
-              <a:rPr lang="en-US" sz="1800" i="1" dirty="0" smtClean="0">
-                <a:solidFill>
-                  <a:schemeClr val="tx1"/>
-                </a:solidFill>
-              </a:rPr>
-              <a:t>2013</a:t>
+              <a:t>  April 10, 2013</a:t>
             </a:r>
             <a:endParaRPr lang="en-US" sz="1800" i="1" dirty="0">
               <a:solidFill>
@@ -6536,8 +6566,8 @@
         </p:nvSpPr>
         <p:spPr>
           <a:xfrm>
-            <a:off x="304800" y="152400"/>
-            <a:ext cx="8153400" cy="4093428"/>
+            <a:off x="304800" y="1295400"/>
+            <a:ext cx="8153400" cy="3477875"/>
           </a:xfrm>
           <a:prstGeom prst="rect">
             <a:avLst/>
@@ -6550,80 +6580,53 @@
           </a:bodyPr>
           <a:lstStyle/>
           <a:p>
-            <a:r>
-              <a:rPr lang="en-US" sz="4400" b="1" dirty="0" smtClean="0"/>
-              <a:t>0) What </a:t>
-            </a:r>
-            <a:r>
-              <a:rPr lang="en-US" sz="4400" b="1" dirty="0" smtClean="0"/>
-              <a:t>this is not </a:t>
-            </a:r>
-            <a:r>
-              <a:rPr lang="en-US" sz="4400" b="1" dirty="0" smtClean="0"/>
-              <a:t>about:</a:t>
-            </a:r>
-          </a:p>
-          <a:p>
-            <a:endParaRPr lang="en-US" sz="3600" dirty="0" smtClean="0"/>
-          </a:p>
-          <a:p>
-            <a:pPr>
-              <a:buFont typeface="Wingdings" charset="2"/>
-              <a:buChar char="§"/>
+            <a:pPr marL="742950" indent="-742950">
+              <a:buFont typeface="+mj-lt"/>
+              <a:buAutoNum type="arabicPeriod"/>
             </a:pPr>
             <a:r>
-              <a:rPr lang="en-US" sz="3600" dirty="0" smtClean="0"/>
-              <a:t>  Security</a:t>
-            </a:r>
-          </a:p>
-          <a:p>
-            <a:pPr>
-              <a:buFont typeface="Wingdings" charset="2"/>
-              <a:buChar char="§"/>
+              <a:rPr lang="en-US" sz="4400" dirty="0" smtClean="0"/>
+              <a:t>Interpret the visual design</a:t>
+            </a:r>
+          </a:p>
+          <a:p>
+            <a:pPr marL="742950" indent="-742950">
+              <a:buFont typeface="+mj-lt"/>
+              <a:buAutoNum type="arabicPeriod"/>
             </a:pPr>
-            <a:r>
-              <a:rPr lang="en-US" sz="3600" dirty="0" smtClean="0"/>
-              <a:t>  Semantic </a:t>
-            </a:r>
-            <a:r>
-              <a:rPr lang="en-US" sz="3600" dirty="0" smtClean="0"/>
-              <a:t>perfection of the editor </a:t>
-            </a:r>
-            <a:r>
-              <a:rPr lang="en-US" sz="3600" dirty="0" smtClean="0"/>
-              <a:t>output</a:t>
-            </a:r>
-          </a:p>
-          <a:p>
-            <a:pPr>
-              <a:buFont typeface="Wingdings" charset="2"/>
-              <a:buChar char="§"/>
+            <a:endParaRPr lang="en-US" sz="4400" dirty="0" smtClean="0"/>
+          </a:p>
+          <a:p>
+            <a:pPr marL="742950" indent="-742950">
+              <a:buFont typeface="+mj-lt"/>
+              <a:buAutoNum type="arabicPeriod"/>
             </a:pPr>
             <a:r>
-              <a:rPr lang="en-US" sz="3600" dirty="0" smtClean="0"/>
-              <a:t>  3rd </a:t>
-            </a:r>
-            <a:r>
-              <a:rPr lang="en-US" sz="3600" dirty="0" smtClean="0"/>
-              <a:t>party </a:t>
-            </a:r>
-            <a:r>
-              <a:rPr lang="en-US" sz="3600" dirty="0" err="1" smtClean="0"/>
+              <a:rPr lang="en-US" sz="4400" dirty="0" smtClean="0"/>
+              <a:t>Create the code</a:t>
+            </a:r>
+          </a:p>
+          <a:p>
+            <a:pPr marL="742950" indent="-742950">
+              <a:buFont typeface="+mj-lt"/>
+              <a:buAutoNum type="arabicPeriod"/>
+            </a:pPr>
+            <a:endParaRPr lang="en-US" sz="4400" dirty="0" smtClean="0"/>
+          </a:p>
+          <a:p>
+            <a:pPr marL="742950" indent="-742950">
+              <a:buFont typeface="+mj-lt"/>
+              <a:buAutoNum type="arabicPeriod"/>
+            </a:pPr>
+            <a:r>
+              <a:rPr lang="en-US" sz="4400" dirty="0" smtClean="0"/>
+              <a:t>Configure </a:t>
+            </a:r>
+            <a:r>
+              <a:rPr lang="en-US" sz="4400" dirty="0" err="1" smtClean="0"/>
               <a:t>CKEditor</a:t>
             </a:r>
-            <a:r>
-              <a:rPr lang="en-US" sz="3600" dirty="0" smtClean="0"/>
-              <a:t> </a:t>
-            </a:r>
-            <a:r>
-              <a:rPr lang="en-US" sz="3600" dirty="0" err="1" smtClean="0"/>
-              <a:t>plugins</a:t>
-            </a:r>
-            <a:r>
-              <a:rPr lang="en-US" sz="3600" dirty="0" smtClean="0"/>
-              <a:t>/modules</a:t>
-            </a:r>
-            <a:endParaRPr lang="en-US" sz="2800" dirty="0">
+            <a:endParaRPr lang="en-US" sz="4400" dirty="0">
               <a:solidFill>
                 <a:srgbClr val="FFFFFF"/>
               </a:solidFill>
@@ -6671,8 +6674,8 @@
         </p:nvSpPr>
         <p:spPr>
           <a:xfrm>
-            <a:off x="304800" y="1295400"/>
-            <a:ext cx="8153400" cy="3477875"/>
+            <a:off x="304800" y="914400"/>
+            <a:ext cx="8153400" cy="4093428"/>
           </a:xfrm>
           <a:prstGeom prst="rect">
             <a:avLst/>
@@ -6685,53 +6688,60 @@
           </a:bodyPr>
           <a:lstStyle/>
           <a:p>
+            <a:r>
+              <a:rPr lang="en-US" sz="4400" b="1" dirty="0" smtClean="0"/>
+              <a:t>0) What this is not about:</a:t>
+            </a:r>
+          </a:p>
+          <a:p>
+            <a:endParaRPr lang="en-US" sz="3600" dirty="0" smtClean="0"/>
+          </a:p>
+          <a:p>
             <a:pPr marL="742950" indent="-742950">
-              <a:buFont typeface="+mj-lt"/>
-              <a:buAutoNum type="arabicPeriod"/>
+              <a:buFont typeface="Arial"/>
+              <a:buChar char="•"/>
             </a:pPr>
             <a:r>
-              <a:rPr lang="en-US" sz="4400" dirty="0" smtClean="0"/>
-              <a:t>Interpret the visual design</a:t>
+              <a:rPr lang="en-US" sz="3600" dirty="0" smtClean="0"/>
+              <a:t>Security</a:t>
             </a:r>
           </a:p>
           <a:p>
             <a:pPr marL="742950" indent="-742950">
-              <a:buFont typeface="+mj-lt"/>
-              <a:buAutoNum type="arabicPeriod"/>
+              <a:buFont typeface="Arial"/>
+              <a:buChar char="•"/>
             </a:pPr>
-            <a:endParaRPr lang="en-US" sz="4400" dirty="0" smtClean="0"/>
+            <a:r>
+              <a:rPr lang="en-US" sz="3600" dirty="0" smtClean="0"/>
+              <a:t>Semantic perfection of the editor   output</a:t>
+            </a:r>
           </a:p>
           <a:p>
             <a:pPr marL="742950" indent="-742950">
-              <a:buFont typeface="+mj-lt"/>
-              <a:buAutoNum type="arabicPeriod"/>
+              <a:buFont typeface="Arial"/>
+              <a:buChar char="•"/>
             </a:pPr>
             <a:r>
-              <a:rPr lang="en-US" sz="4400" dirty="0" smtClean="0"/>
-              <a:t>Create the code</a:t>
-            </a:r>
-          </a:p>
-          <a:p>
-            <a:pPr marL="742950" indent="-742950">
-              <a:buFont typeface="+mj-lt"/>
-              <a:buAutoNum type="arabicPeriod"/>
-            </a:pPr>
-            <a:endParaRPr lang="en-US" sz="4400" dirty="0" smtClean="0"/>
-          </a:p>
-          <a:p>
-            <a:pPr marL="742950" indent="-742950">
-              <a:buFont typeface="+mj-lt"/>
-              <a:buAutoNum type="arabicPeriod"/>
-            </a:pPr>
-            <a:r>
-              <a:rPr lang="en-US" sz="4400" dirty="0" smtClean="0"/>
-              <a:t>Configure </a:t>
-            </a:r>
-            <a:r>
-              <a:rPr lang="en-US" sz="4400" dirty="0" err="1" smtClean="0"/>
+              <a:rPr lang="en-US" sz="3600" dirty="0" smtClean="0"/>
+              <a:t>3rd party </a:t>
+            </a:r>
+            <a:r>
+              <a:rPr lang="en-US" sz="3600" dirty="0" err="1" smtClean="0"/>
               <a:t>CKEditor</a:t>
             </a:r>
-            <a:endParaRPr lang="en-US" sz="4400" dirty="0">
+            <a:r>
+              <a:rPr lang="en-US" sz="3600" dirty="0" smtClean="0"/>
+              <a:t> </a:t>
+            </a:r>
+            <a:r>
+              <a:rPr lang="en-US" sz="3600" dirty="0" err="1" smtClean="0"/>
+              <a:t>plugins</a:t>
+            </a:r>
+            <a:r>
+              <a:rPr lang="en-US" sz="3600" dirty="0" smtClean="0"/>
+              <a:t>/modules</a:t>
+            </a:r>
+            <a:endParaRPr lang="en-US" sz="2800" dirty="0">
               <a:solidFill>
                 <a:srgbClr val="FFFFFF"/>
               </a:solidFill>
@@ -6808,15 +6818,7 @@
             </a:pPr>
             <a:r>
               <a:rPr lang="en-US" sz="2800" dirty="0" smtClean="0"/>
-              <a:t>Define </a:t>
-            </a:r>
-            <a:r>
-              <a:rPr lang="en-US" sz="2800" dirty="0" smtClean="0"/>
-              <a:t>reusable </a:t>
-            </a:r>
-            <a:r>
-              <a:rPr lang="en-US" sz="2800" dirty="0" smtClean="0"/>
-              <a:t>styles.</a:t>
+              <a:t>Define reusable styles.</a:t>
             </a:r>
           </a:p>
           <a:p>
@@ -6833,15 +6835,7 @@
             </a:pPr>
             <a:r>
               <a:rPr lang="en-US" sz="2800" dirty="0" smtClean="0"/>
-              <a:t>These </a:t>
-            </a:r>
-            <a:r>
-              <a:rPr lang="en-US" sz="2800" dirty="0" smtClean="0"/>
-              <a:t>are any chunks of styling that could get manually put into place, either through block/pane/menu item classes or through a </a:t>
-            </a:r>
-            <a:r>
-              <a:rPr lang="en-US" sz="2800" dirty="0" smtClean="0"/>
-              <a:t>WYSIWYG. E.g.:</a:t>
+              <a:t>These are any chunks of styling that could get manually put into place, either through block/pane/menu item classes or through a WYSIWYG. E.g.:</a:t>
             </a:r>
           </a:p>
           <a:p>
@@ -6882,15 +6876,7 @@
             </a:pPr>
             <a:r>
               <a:rPr lang="en-US" sz="2800" dirty="0" smtClean="0"/>
-              <a:t> </a:t>
-            </a:r>
-            <a:r>
-              <a:rPr lang="en-US" sz="2800" dirty="0" smtClean="0"/>
-              <a:t>List </a:t>
-            </a:r>
-            <a:r>
-              <a:rPr lang="en-US" sz="2800" dirty="0" smtClean="0"/>
-              <a:t>styles</a:t>
+              <a:t> List styles</a:t>
             </a:r>
           </a:p>
           <a:p>
@@ -6904,11 +6890,7 @@
             <a:pPr lvl="2"/>
             <a:r>
               <a:rPr lang="en-US" sz="2800" dirty="0" smtClean="0"/>
-              <a:t>- </a:t>
-            </a:r>
-            <a:r>
-              <a:rPr lang="en-US" sz="2800" dirty="0" smtClean="0"/>
-              <a:t>Read more links</a:t>
+              <a:t>- Read more links</a:t>
             </a:r>
             <a:endParaRPr lang="en-US" sz="2800" dirty="0">
               <a:solidFill>
@@ -6959,7 +6941,7 @@
           <p:nvPr/>
         </p:nvPicPr>
         <p:blipFill>
-          <a:blip r:embed="rId2"/>
+          <a:blip r:embed="rId3"/>
           <a:stretch>
             <a:fillRect/>
           </a:stretch>
@@ -7417,4 +7399,322 @@
   </a:objectDefaults>
   <a:extraClrSchemeLst/>
 </a:theme>
+</file>
+
+<file path=ppt/theme/theme2.xml><?xml version="1.0" encoding="utf-8"?>
+<a:theme xmlns:a="http://schemas.openxmlformats.org/drawingml/2006/main" name="Office Theme">
+  <a:themeElements>
+    <a:clrScheme name="Office">
+      <a:dk1>
+        <a:sysClr val="windowText" lastClr="000000"/>
+      </a:dk1>
+      <a:lt1>
+        <a:sysClr val="window" lastClr="FFFFFF"/>
+      </a:lt1>
+      <a:dk2>
+        <a:srgbClr val="1F497D"/>
+      </a:dk2>
+      <a:lt2>
+        <a:srgbClr val="EEECE1"/>
+      </a:lt2>
+      <a:accent1>
+        <a:srgbClr val="4F81BD"/>
+      </a:accent1>
+      <a:accent2>
+        <a:srgbClr val="C0504D"/>
+      </a:accent2>
+      <a:accent3>
+        <a:srgbClr val="9BBB59"/>
+      </a:accent3>
+      <a:accent4>
+        <a:srgbClr val="8064A2"/>
+      </a:accent4>
+      <a:accent5>
+        <a:srgbClr val="4BACC6"/>
+      </a:accent5>
+      <a:accent6>
+        <a:srgbClr val="F79646"/>
+      </a:accent6>
+      <a:hlink>
+        <a:srgbClr val="0000FF"/>
+      </a:hlink>
+      <a:folHlink>
+        <a:srgbClr val="800080"/>
+      </a:folHlink>
+    </a:clrScheme>
+    <a:fontScheme name="Office">
+      <a:majorFont>
+        <a:latin typeface="Calibri"/>
+        <a:ea typeface=""/>
+        <a:cs typeface=""/>
+        <a:font script="Jpan" typeface="ＭＳ Ｐゴシック"/>
+        <a:font script="Hang" typeface="맑은 고딕"/>
+        <a:font script="Hans" typeface="宋体"/>
+        <a:font script="Hant" typeface="新細明體"/>
+        <a:font script="Arab" typeface="Times New Roman"/>
+        <a:font script="Hebr" typeface="Times New Roman"/>
+        <a:font script="Thai" typeface="Angsana New"/>
+        <a:font script="Ethi" typeface="Nyala"/>
+        <a:font script="Beng" typeface="Vrinda"/>
+        <a:font script="Gujr" typeface="Shruti"/>
+        <a:font script="Khmr" typeface="MoolBoran"/>
+        <a:font script="Knda" typeface="Tunga"/>
+        <a:font script="Guru" typeface="Raavi"/>
+        <a:font script="Cans" typeface="Euphemia"/>
+        <a:font script="Cher" typeface="Plantagenet Cherokee"/>
+        <a:font script="Yiii" typeface="Microsoft Yi Baiti"/>
+        <a:font script="Tibt" typeface="Microsoft Himalaya"/>
+        <a:font script="Thaa" typeface="MV Boli"/>
+        <a:font script="Deva" typeface="Mangal"/>
+        <a:font script="Telu" typeface="Gautami"/>
+        <a:font script="Taml" typeface="Latha"/>
+        <a:font script="Syrc" typeface="Estrangelo Edessa"/>
+        <a:font script="Orya" typeface="Kalinga"/>
+        <a:font script="Mlym" typeface="Kartika"/>
+        <a:font script="Laoo" typeface="DokChampa"/>
+        <a:font script="Sinh" typeface="Iskoola Pota"/>
+        <a:font script="Mong" typeface="Mongolian Baiti"/>
+        <a:font script="Viet" typeface="Times New Roman"/>
+        <a:font script="Uigh" typeface="Microsoft Uighur"/>
+      </a:majorFont>
+      <a:minorFont>
+        <a:latin typeface="Calibri"/>
+        <a:ea typeface=""/>
+        <a:cs typeface=""/>
+        <a:font script="Jpan" typeface="ＭＳ Ｐゴシック"/>
+        <a:font script="Hang" typeface="맑은 고딕"/>
+        <a:font script="Hans" typeface="宋体"/>
+        <a:font script="Hant" typeface="新細明體"/>
+        <a:font script="Arab" typeface="Arial"/>
+        <a:font script="Hebr" typeface="Arial"/>
+        <a:font script="Thai" typeface="Cordia New"/>
+        <a:font script="Ethi" typeface="Nyala"/>
+        <a:font script="Beng" typeface="Vrinda"/>
+        <a:font script="Gujr" typeface="Shruti"/>
+        <a:font script="Khmr" typeface="DaunPenh"/>
+        <a:font script="Knda" typeface="Tunga"/>
+        <a:font script="Guru" typeface="Raavi"/>
+        <a:font script="Cans" typeface="Euphemia"/>
+        <a:font script="Cher" typeface="Plantagenet Cherokee"/>
+        <a:font script="Yiii" typeface="Microsoft Yi Baiti"/>
+        <a:font script="Tibt" typeface="Microsoft Himalaya"/>
+        <a:font script="Thaa" typeface="MV Boli"/>
+        <a:font script="Deva" typeface="Mangal"/>
+        <a:font script="Telu" typeface="Gautami"/>
+        <a:font script="Taml" typeface="Latha"/>
+        <a:font script="Syrc" typeface="Estrangelo Edessa"/>
+        <a:font script="Orya" typeface="Kalinga"/>
+        <a:font script="Mlym" typeface="Kartika"/>
+        <a:font script="Laoo" typeface="DokChampa"/>
+        <a:font script="Sinh" typeface="Iskoola Pota"/>
+        <a:font script="Mong" typeface="Mongolian Baiti"/>
+        <a:font script="Viet" typeface="Arial"/>
+        <a:font script="Uigh" typeface="Microsoft Uighur"/>
+      </a:minorFont>
+    </a:fontScheme>
+    <a:fmtScheme name="Office">
+      <a:fillStyleLst>
+        <a:solidFill>
+          <a:schemeClr val="phClr"/>
+        </a:solidFill>
+        <a:gradFill rotWithShape="1">
+          <a:gsLst>
+            <a:gs pos="0">
+              <a:schemeClr val="phClr">
+                <a:tint val="50000"/>
+                <a:satMod val="300000"/>
+              </a:schemeClr>
+            </a:gs>
+            <a:gs pos="35000">
+              <a:schemeClr val="phClr">
+                <a:tint val="37000"/>
+                <a:satMod val="300000"/>
+              </a:schemeClr>
+            </a:gs>
+            <a:gs pos="100000">
+              <a:schemeClr val="phClr">
+                <a:tint val="15000"/>
+                <a:satMod val="350000"/>
+              </a:schemeClr>
+            </a:gs>
+          </a:gsLst>
+          <a:lin ang="16200000" scaled="1"/>
+        </a:gradFill>
+        <a:gradFill rotWithShape="1">
+          <a:gsLst>
+            <a:gs pos="0">
+              <a:schemeClr val="phClr">
+                <a:tint val="100000"/>
+                <a:shade val="100000"/>
+                <a:satMod val="130000"/>
+              </a:schemeClr>
+            </a:gs>
+            <a:gs pos="100000">
+              <a:schemeClr val="phClr">
+                <a:tint val="50000"/>
+                <a:shade val="100000"/>
+                <a:satMod val="350000"/>
+              </a:schemeClr>
+            </a:gs>
+          </a:gsLst>
+          <a:lin ang="16200000" scaled="0"/>
+        </a:gradFill>
+      </a:fillStyleLst>
+      <a:lnStyleLst>
+        <a:ln w="9525" cap="flat" cmpd="sng" algn="ctr">
+          <a:solidFill>
+            <a:schemeClr val="phClr">
+              <a:shade val="95000"/>
+              <a:satMod val="105000"/>
+            </a:schemeClr>
+          </a:solidFill>
+          <a:prstDash val="solid"/>
+        </a:ln>
+        <a:ln w="25400" cap="flat" cmpd="sng" algn="ctr">
+          <a:solidFill>
+            <a:schemeClr val="phClr"/>
+          </a:solidFill>
+          <a:prstDash val="solid"/>
+        </a:ln>
+        <a:ln w="38100" cap="flat" cmpd="sng" algn="ctr">
+          <a:solidFill>
+            <a:schemeClr val="phClr"/>
+          </a:solidFill>
+          <a:prstDash val="solid"/>
+        </a:ln>
+      </a:lnStyleLst>
+      <a:effectStyleLst>
+        <a:effectStyle>
+          <a:effectLst>
+            <a:outerShdw blurRad="40000" dist="20000" dir="5400000" rotWithShape="0">
+              <a:srgbClr val="000000">
+                <a:alpha val="38000"/>
+              </a:srgbClr>
+            </a:outerShdw>
+          </a:effectLst>
+        </a:effectStyle>
+        <a:effectStyle>
+          <a:effectLst>
+            <a:outerShdw blurRad="40000" dist="23000" dir="5400000" rotWithShape="0">
+              <a:srgbClr val="000000">
+                <a:alpha val="35000"/>
+              </a:srgbClr>
+            </a:outerShdw>
+          </a:effectLst>
+        </a:effectStyle>
+        <a:effectStyle>
+          <a:effectLst>
+            <a:outerShdw blurRad="40000" dist="23000" dir="5400000" rotWithShape="0">
+              <a:srgbClr val="000000">
+                <a:alpha val="35000"/>
+              </a:srgbClr>
+            </a:outerShdw>
+          </a:effectLst>
+          <a:scene3d>
+            <a:camera prst="orthographicFront">
+              <a:rot lat="0" lon="0" rev="0"/>
+            </a:camera>
+            <a:lightRig rig="threePt" dir="t">
+              <a:rot lat="0" lon="0" rev="1200000"/>
+            </a:lightRig>
+          </a:scene3d>
+          <a:sp3d>
+            <a:bevelT w="63500" h="25400"/>
+          </a:sp3d>
+        </a:effectStyle>
+      </a:effectStyleLst>
+      <a:bgFillStyleLst>
+        <a:solidFill>
+          <a:schemeClr val="phClr"/>
+        </a:solidFill>
+        <a:gradFill rotWithShape="1">
+          <a:gsLst>
+            <a:gs pos="0">
+              <a:schemeClr val="phClr">
+                <a:tint val="40000"/>
+                <a:satMod val="350000"/>
+              </a:schemeClr>
+            </a:gs>
+            <a:gs pos="40000">
+              <a:schemeClr val="phClr">
+                <a:tint val="45000"/>
+                <a:shade val="99000"/>
+                <a:satMod val="350000"/>
+              </a:schemeClr>
+            </a:gs>
+            <a:gs pos="100000">
+              <a:schemeClr val="phClr">
+                <a:shade val="20000"/>
+                <a:satMod val="255000"/>
+              </a:schemeClr>
+            </a:gs>
+          </a:gsLst>
+          <a:path path="circle">
+            <a:fillToRect l="50000" t="-80000" r="50000" b="180000"/>
+          </a:path>
+        </a:gradFill>
+        <a:gradFill rotWithShape="1">
+          <a:gsLst>
+            <a:gs pos="0">
+              <a:schemeClr val="phClr">
+                <a:tint val="80000"/>
+                <a:satMod val="300000"/>
+              </a:schemeClr>
+            </a:gs>
+            <a:gs pos="100000">
+              <a:schemeClr val="phClr">
+                <a:shade val="30000"/>
+                <a:satMod val="200000"/>
+              </a:schemeClr>
+            </a:gs>
+          </a:gsLst>
+          <a:path path="circle">
+            <a:fillToRect l="50000" t="50000" r="50000" b="50000"/>
+          </a:path>
+        </a:gradFill>
+      </a:bgFillStyleLst>
+    </a:fmtScheme>
+  </a:themeElements>
+  <a:objectDefaults>
+    <a:spDef>
+      <a:spPr/>
+      <a:bodyPr/>
+      <a:lstStyle/>
+      <a:style>
+        <a:lnRef idx="1">
+          <a:schemeClr val="accent1"/>
+        </a:lnRef>
+        <a:fillRef idx="3">
+          <a:schemeClr val="accent1"/>
+        </a:fillRef>
+        <a:effectRef idx="2">
+          <a:schemeClr val="accent1"/>
+        </a:effectRef>
+        <a:fontRef idx="minor">
+          <a:schemeClr val="lt1"/>
+        </a:fontRef>
+      </a:style>
+    </a:spDef>
+    <a:lnDef>
+      <a:spPr/>
+      <a:bodyPr/>
+      <a:lstStyle/>
+      <a:style>
+        <a:lnRef idx="2">
+          <a:schemeClr val="accent1"/>
+        </a:lnRef>
+        <a:fillRef idx="0">
+          <a:schemeClr val="accent1"/>
+        </a:fillRef>
+        <a:effectRef idx="1">
+          <a:schemeClr val="accent1"/>
+        </a:effectRef>
+        <a:fontRef idx="minor">
+          <a:schemeClr val="tx1"/>
+        </a:fontRef>
+      </a:style>
+    </a:lnDef>
+  </a:objectDefaults>
+  <a:extraClrSchemeLst/>
+</a:theme>
 </file>